--- a/Funcion_EAN/Presentación.pptx
+++ b/Funcion_EAN/Presentación.pptx
@@ -1,6 +1,6 @@
 
 <file path=ppt/presentation.xml><?xml version="1.0" encoding="utf-8"?>
-<p:presentation xmlns:a="http://schemas.openxmlformats.org/drawingml/2006/main" xmlns:p="http://schemas.openxmlformats.org/presentationml/2006/main" xmlns:r="http://schemas.openxmlformats.org/officeDocument/2006/relationships" autoCompressPictures="0" saveSubsetFonts="1">
+<p:presentation xmlns:a="http://schemas.openxmlformats.org/drawingml/2006/main" xmlns:r="http://schemas.openxmlformats.org/officeDocument/2006/relationships" xmlns:p="http://schemas.openxmlformats.org/presentationml/2006/main" saveSubsetFonts="1" autoCompressPictures="0">
   <p:sldMasterIdLst>
     <p:sldMasterId id="2147483648" r:id="rId1"/>
   </p:sldMasterIdLst>
@@ -10,6 +10,12 @@
     <p:sldId id="258" r:id="rId4"/>
     <p:sldId id="259" r:id="rId5"/>
     <p:sldId id="260" r:id="rId6"/>
+    <p:sldId id="261" r:id="rId7"/>
+    <p:sldId id="262" r:id="rId8"/>
+    <p:sldId id="263" r:id="rId9"/>
+    <p:sldId id="264" r:id="rId10"/>
+    <p:sldId id="265" r:id="rId11"/>
+    <p:sldId id="266" r:id="rId12"/>
   </p:sldIdLst>
   <p:sldSz cx="9144000" cy="5143500" type="screen16x9"/>
   <p:notesSz cx="6858000" cy="9144000"/>
@@ -17,8 +23,8 @@
     <a:defPPr>
       <a:defRPr lang="en-US"/>
     </a:defPPr>
-    <a:lvl1pPr algn="l" defTabSz="457200" eaLnBrk="1" hangingPunct="1" latinLnBrk="0" marL="0" rtl="0">
-      <a:defRPr kern="1200" sz="1800">
+    <a:lvl1pPr marL="0" algn="l" defTabSz="457200" rtl="0" eaLnBrk="1" latinLnBrk="0" hangingPunct="1">
+      <a:defRPr sz="1800" kern="1200">
         <a:solidFill>
           <a:schemeClr val="tx1"/>
         </a:solidFill>
@@ -27,8 +33,8 @@
         <a:cs typeface="+mn-cs"/>
       </a:defRPr>
     </a:lvl1pPr>
-    <a:lvl2pPr algn="l" defTabSz="457200" eaLnBrk="1" hangingPunct="1" latinLnBrk="0" marL="457200" rtl="0">
-      <a:defRPr kern="1200" sz="1800">
+    <a:lvl2pPr marL="457200" algn="l" defTabSz="457200" rtl="0" eaLnBrk="1" latinLnBrk="0" hangingPunct="1">
+      <a:defRPr sz="1800" kern="1200">
         <a:solidFill>
           <a:schemeClr val="tx1"/>
         </a:solidFill>
@@ -37,8 +43,8 @@
         <a:cs typeface="+mn-cs"/>
       </a:defRPr>
     </a:lvl2pPr>
-    <a:lvl3pPr algn="l" defTabSz="457200" eaLnBrk="1" hangingPunct="1" latinLnBrk="0" marL="914400" rtl="0">
-      <a:defRPr kern="1200" sz="1800">
+    <a:lvl3pPr marL="914400" algn="l" defTabSz="457200" rtl="0" eaLnBrk="1" latinLnBrk="0" hangingPunct="1">
+      <a:defRPr sz="1800" kern="1200">
         <a:solidFill>
           <a:schemeClr val="tx1"/>
         </a:solidFill>
@@ -47,8 +53,8 @@
         <a:cs typeface="+mn-cs"/>
       </a:defRPr>
     </a:lvl3pPr>
-    <a:lvl4pPr algn="l" defTabSz="457200" eaLnBrk="1" hangingPunct="1" latinLnBrk="0" marL="1371600" rtl="0">
-      <a:defRPr kern="1200" sz="1800">
+    <a:lvl4pPr marL="1371600" algn="l" defTabSz="457200" rtl="0" eaLnBrk="1" latinLnBrk="0" hangingPunct="1">
+      <a:defRPr sz="1800" kern="1200">
         <a:solidFill>
           <a:schemeClr val="tx1"/>
         </a:solidFill>
@@ -57,8 +63,8 @@
         <a:cs typeface="+mn-cs"/>
       </a:defRPr>
     </a:lvl4pPr>
-    <a:lvl5pPr algn="l" defTabSz="457200" eaLnBrk="1" hangingPunct="1" latinLnBrk="0" marL="1828800" rtl="0">
-      <a:defRPr kern="1200" sz="1800">
+    <a:lvl5pPr marL="1828800" algn="l" defTabSz="457200" rtl="0" eaLnBrk="1" latinLnBrk="0" hangingPunct="1">
+      <a:defRPr sz="1800" kern="1200">
         <a:solidFill>
           <a:schemeClr val="tx1"/>
         </a:solidFill>
@@ -67,8 +73,8 @@
         <a:cs typeface="+mn-cs"/>
       </a:defRPr>
     </a:lvl5pPr>
-    <a:lvl6pPr algn="l" defTabSz="457200" eaLnBrk="1" hangingPunct="1" latinLnBrk="0" marL="2286000" rtl="0">
-      <a:defRPr kern="1200" sz="1800">
+    <a:lvl6pPr marL="2286000" algn="l" defTabSz="457200" rtl="0" eaLnBrk="1" latinLnBrk="0" hangingPunct="1">
+      <a:defRPr sz="1800" kern="1200">
         <a:solidFill>
           <a:schemeClr val="tx1"/>
         </a:solidFill>
@@ -77,8 +83,8 @@
         <a:cs typeface="+mn-cs"/>
       </a:defRPr>
     </a:lvl6pPr>
-    <a:lvl7pPr algn="l" defTabSz="457200" eaLnBrk="1" hangingPunct="1" latinLnBrk="0" marL="2743200" rtl="0">
-      <a:defRPr kern="1200" sz="1800">
+    <a:lvl7pPr marL="2743200" algn="l" defTabSz="457200" rtl="0" eaLnBrk="1" latinLnBrk="0" hangingPunct="1">
+      <a:defRPr sz="1800" kern="1200">
         <a:solidFill>
           <a:schemeClr val="tx1"/>
         </a:solidFill>
@@ -87,8 +93,8 @@
         <a:cs typeface="+mn-cs"/>
       </a:defRPr>
     </a:lvl7pPr>
-    <a:lvl8pPr algn="l" defTabSz="457200" eaLnBrk="1" hangingPunct="1" latinLnBrk="0" marL="3200400" rtl="0">
-      <a:defRPr kern="1200" sz="1800">
+    <a:lvl8pPr marL="3200400" algn="l" defTabSz="457200" rtl="0" eaLnBrk="1" latinLnBrk="0" hangingPunct="1">
+      <a:defRPr sz="1800" kern="1200">
         <a:solidFill>
           <a:schemeClr val="tx1"/>
         </a:solidFill>
@@ -97,8 +103,8 @@
         <a:cs typeface="+mn-cs"/>
       </a:defRPr>
     </a:lvl8pPr>
-    <a:lvl9pPr algn="l" defTabSz="457200" eaLnBrk="1" hangingPunct="1" latinLnBrk="0" marL="3657600" rtl="0">
-      <a:defRPr kern="1200" sz="1800">
+    <a:lvl9pPr marL="3657600" algn="l" defTabSz="457200" rtl="0" eaLnBrk="1" latinLnBrk="0" hangingPunct="1">
+      <a:defRPr sz="1800" kern="1200">
         <a:solidFill>
           <a:schemeClr val="tx1"/>
         </a:solidFill>
@@ -127,6 +133,14 @@
 </p:presentation>
 </file>
 
+<file path=ppt/revisionInfo.xml><?xml version="1.0" encoding="utf-8"?>
+<p1510:revInfo xmlns:a="http://schemas.openxmlformats.org/drawingml/2006/main" xmlns:r="http://schemas.openxmlformats.org/officeDocument/2006/relationships" xmlns:p1510="http://schemas.microsoft.com/office/powerpoint/2015/10/main">
+  <p1510:revLst>
+    <p1510:client id="{F42F4BDD-5DA5-4EA7-86BE-1986FEA85883}" v="1" dt="2022-10-11T22:07:14.312"/>
+  </p1510:revLst>
+</p1510:revInfo>
+</file>
+
 <file path=ppt/slideLayouts/slideLayout1.xml><?xml version="1.0" encoding="utf-8"?>
 <p:sldLayout xmlns:a="http://schemas.openxmlformats.org/drawingml/2006/main" xmlns:r="http://schemas.openxmlformats.org/officeDocument/2006/relationships" xmlns:p="http://schemas.openxmlformats.org/presentationml/2006/main" type="title" preserve="1">
   <p:cSld name="Title Slide">
@@ -306,7 +320,7 @@
           <a:p>
             <a:fld id="{241EB5C9-1307-BA42-ABA2-0BC069CD8E7F}" type="datetimeFigureOut">
               <a:rPr lang="en-US" smtClean="0"/>
-              <a:t>1/2/22</a:t>
+              <a:t>10/11/2022</a:t>
             </a:fld>
             <a:endParaRPr lang="en-US"/>
           </a:p>
@@ -348,7 +362,7 @@
           <a:p>
             <a:fld id="{C5EF2332-01BF-834F-8236-50238282D533}" type="slidenum">
               <a:rPr lang="en-US" smtClean="0"/>
-              <a:t>‹#›</a:t>
+              <a:t>‹Nº›</a:t>
             </a:fld>
             <a:endParaRPr lang="en-US"/>
           </a:p>
@@ -474,7 +488,7 @@
           <a:p>
             <a:fld id="{241EB5C9-1307-BA42-ABA2-0BC069CD8E7F}" type="datetimeFigureOut">
               <a:rPr lang="en-US" smtClean="0"/>
-              <a:t>1/2/22</a:t>
+              <a:t>10/11/2022</a:t>
             </a:fld>
             <a:endParaRPr lang="en-US"/>
           </a:p>
@@ -516,7 +530,7 @@
           <a:p>
             <a:fld id="{C5EF2332-01BF-834F-8236-50238282D533}" type="slidenum">
               <a:rPr lang="en-US" smtClean="0"/>
-              <a:t>‹#›</a:t>
+              <a:t>‹Nº›</a:t>
             </a:fld>
             <a:endParaRPr lang="en-US"/>
           </a:p>
@@ -652,7 +666,7 @@
           <a:p>
             <a:fld id="{241EB5C9-1307-BA42-ABA2-0BC069CD8E7F}" type="datetimeFigureOut">
               <a:rPr lang="en-US" smtClean="0"/>
-              <a:t>1/2/22</a:t>
+              <a:t>10/11/2022</a:t>
             </a:fld>
             <a:endParaRPr lang="en-US"/>
           </a:p>
@@ -694,7 +708,7 @@
           <a:p>
             <a:fld id="{C5EF2332-01BF-834F-8236-50238282D533}" type="slidenum">
               <a:rPr lang="en-US" smtClean="0"/>
-              <a:t>‹#›</a:t>
+              <a:t>‹Nº›</a:t>
             </a:fld>
             <a:endParaRPr lang="en-US"/>
           </a:p>
@@ -820,7 +834,7 @@
           <a:p>
             <a:fld id="{241EB5C9-1307-BA42-ABA2-0BC069CD8E7F}" type="datetimeFigureOut">
               <a:rPr lang="en-US" smtClean="0"/>
-              <a:t>1/2/22</a:t>
+              <a:t>10/11/2022</a:t>
             </a:fld>
             <a:endParaRPr lang="en-US"/>
           </a:p>
@@ -862,7 +876,7 @@
           <a:p>
             <a:fld id="{C5EF2332-01BF-834F-8236-50238282D533}" type="slidenum">
               <a:rPr lang="en-US" smtClean="0"/>
-              <a:t>‹#›</a:t>
+              <a:t>‹Nº›</a:t>
             </a:fld>
             <a:endParaRPr lang="en-US"/>
           </a:p>
@@ -1065,7 +1079,7 @@
           <a:p>
             <a:fld id="{241EB5C9-1307-BA42-ABA2-0BC069CD8E7F}" type="datetimeFigureOut">
               <a:rPr lang="en-US" smtClean="0"/>
-              <a:t>1/2/22</a:t>
+              <a:t>10/11/2022</a:t>
             </a:fld>
             <a:endParaRPr lang="en-US"/>
           </a:p>
@@ -1107,7 +1121,7 @@
           <a:p>
             <a:fld id="{C5EF2332-01BF-834F-8236-50238282D533}" type="slidenum">
               <a:rPr lang="en-US" smtClean="0"/>
-              <a:t>‹#›</a:t>
+              <a:t>‹Nº›</a:t>
             </a:fld>
             <a:endParaRPr lang="en-US"/>
           </a:p>
@@ -1350,7 +1364,7 @@
           <a:p>
             <a:fld id="{241EB5C9-1307-BA42-ABA2-0BC069CD8E7F}" type="datetimeFigureOut">
               <a:rPr lang="en-US" smtClean="0"/>
-              <a:t>1/2/22</a:t>
+              <a:t>10/11/2022</a:t>
             </a:fld>
             <a:endParaRPr lang="en-US"/>
           </a:p>
@@ -1392,7 +1406,7 @@
           <a:p>
             <a:fld id="{C5EF2332-01BF-834F-8236-50238282D533}" type="slidenum">
               <a:rPr lang="en-US" smtClean="0"/>
-              <a:t>‹#›</a:t>
+              <a:t>‹Nº›</a:t>
             </a:fld>
             <a:endParaRPr lang="en-US"/>
           </a:p>
@@ -1769,7 +1783,7 @@
           <a:p>
             <a:fld id="{241EB5C9-1307-BA42-ABA2-0BC069CD8E7F}" type="datetimeFigureOut">
               <a:rPr lang="en-US" smtClean="0"/>
-              <a:t>1/2/22</a:t>
+              <a:t>10/11/2022</a:t>
             </a:fld>
             <a:endParaRPr lang="en-US"/>
           </a:p>
@@ -1811,7 +1825,7 @@
           <a:p>
             <a:fld id="{C5EF2332-01BF-834F-8236-50238282D533}" type="slidenum">
               <a:rPr lang="en-US" smtClean="0"/>
-              <a:t>‹#›</a:t>
+              <a:t>‹Nº›</a:t>
             </a:fld>
             <a:endParaRPr lang="en-US"/>
           </a:p>
@@ -1886,7 +1900,7 @@
           <a:p>
             <a:fld id="{241EB5C9-1307-BA42-ABA2-0BC069CD8E7F}" type="datetimeFigureOut">
               <a:rPr lang="en-US" smtClean="0"/>
-              <a:t>1/2/22</a:t>
+              <a:t>10/11/2022</a:t>
             </a:fld>
             <a:endParaRPr lang="en-US"/>
           </a:p>
@@ -1928,7 +1942,7 @@
           <a:p>
             <a:fld id="{C5EF2332-01BF-834F-8236-50238282D533}" type="slidenum">
               <a:rPr lang="en-US" smtClean="0"/>
-              <a:t>‹#›</a:t>
+              <a:t>‹Nº›</a:t>
             </a:fld>
             <a:endParaRPr lang="en-US"/>
           </a:p>
@@ -1981,7 +1995,7 @@
           <a:p>
             <a:fld id="{241EB5C9-1307-BA42-ABA2-0BC069CD8E7F}" type="datetimeFigureOut">
               <a:rPr lang="en-US" smtClean="0"/>
-              <a:t>1/2/22</a:t>
+              <a:t>10/11/2022</a:t>
             </a:fld>
             <a:endParaRPr lang="en-US"/>
           </a:p>
@@ -2023,7 +2037,7 @@
           <a:p>
             <a:fld id="{C5EF2332-01BF-834F-8236-50238282D533}" type="slidenum">
               <a:rPr lang="en-US" smtClean="0"/>
-              <a:t>‹#›</a:t>
+              <a:t>‹Nº›</a:t>
             </a:fld>
             <a:endParaRPr lang="en-US"/>
           </a:p>
@@ -2256,7 +2270,7 @@
           <a:p>
             <a:fld id="{241EB5C9-1307-BA42-ABA2-0BC069CD8E7F}" type="datetimeFigureOut">
               <a:rPr lang="en-US" smtClean="0"/>
-              <a:t>1/2/22</a:t>
+              <a:t>10/11/2022</a:t>
             </a:fld>
             <a:endParaRPr lang="en-US"/>
           </a:p>
@@ -2298,7 +2312,7 @@
           <a:p>
             <a:fld id="{C5EF2332-01BF-834F-8236-50238282D533}" type="slidenum">
               <a:rPr lang="en-US" smtClean="0"/>
-              <a:t>‹#›</a:t>
+              <a:t>‹Nº›</a:t>
             </a:fld>
             <a:endParaRPr lang="en-US"/>
           </a:p>
@@ -2508,7 +2522,7 @@
           <a:p>
             <a:fld id="{241EB5C9-1307-BA42-ABA2-0BC069CD8E7F}" type="datetimeFigureOut">
               <a:rPr lang="en-US" smtClean="0"/>
-              <a:t>1/2/22</a:t>
+              <a:t>10/11/2022</a:t>
             </a:fld>
             <a:endParaRPr lang="en-US"/>
           </a:p>
@@ -2550,7 +2564,7 @@
           <a:p>
             <a:fld id="{C5EF2332-01BF-834F-8236-50238282D533}" type="slidenum">
               <a:rPr lang="en-US" smtClean="0"/>
-              <a:t>‹#›</a:t>
+              <a:t>‹Nº›</a:t>
             </a:fld>
             <a:endParaRPr lang="en-US"/>
           </a:p>
@@ -2570,7 +2584,7 @@
 </file>
 
 <file path=ppt/slideMasters/slideMaster1.xml><?xml version="1.0" encoding="utf-8"?>
-<p:sldMaster xmlns:a="http://schemas.openxmlformats.org/drawingml/2006/main" xmlns:p="http://schemas.openxmlformats.org/presentationml/2006/main" xmlns:r="http://schemas.openxmlformats.org/officeDocument/2006/relationships">
+<p:sldMaster xmlns:a="http://schemas.openxmlformats.org/drawingml/2006/main" xmlns:r="http://schemas.openxmlformats.org/officeDocument/2006/relationships" xmlns:p="http://schemas.openxmlformats.org/presentationml/2006/main">
   <p:cSld>
     <p:bg>
       <p:bgRef idx="1001">
@@ -2611,7 +2625,7 @@
           </a:prstGeom>
         </p:spPr>
         <p:txBody>
-          <a:bodyPr anchor="ctr" bIns="45720" lIns="91440" rIns="91440" rtlCol="0" tIns="45720" vert="horz">
+          <a:bodyPr vert="horz" lIns="91440" tIns="45720" rIns="91440" bIns="45720" rtlCol="0" anchor="ctr">
             <a:normAutofit/>
           </a:bodyPr>
           <a:lstStyle/>
@@ -2630,7 +2644,7 @@
             <a:spLocks noGrp="1"/>
           </p:cNvSpPr>
           <p:nvPr>
-            <p:ph idx="1" type="body"/>
+            <p:ph type="body" idx="1"/>
           </p:nvPr>
         </p:nvSpPr>
         <p:spPr>
@@ -2643,7 +2657,7 @@
           </a:prstGeom>
         </p:spPr>
         <p:txBody>
-          <a:bodyPr bIns="45720" lIns="91440" rIns="91440" rtlCol="0" tIns="45720" vert="horz">
+          <a:bodyPr vert="horz" lIns="91440" tIns="45720" rIns="91440" bIns="45720" rtlCol="0">
             <a:normAutofit/>
           </a:bodyPr>
           <a:lstStyle/>
@@ -2691,7 +2705,7 @@
             <a:spLocks noGrp="1"/>
           </p:cNvSpPr>
           <p:nvPr>
-            <p:ph idx="2" sz="half" type="dt"/>
+            <p:ph type="dt" sz="half" idx="2"/>
           </p:nvPr>
         </p:nvSpPr>
         <p:spPr>
@@ -2704,7 +2718,7 @@
           </a:prstGeom>
         </p:spPr>
         <p:txBody>
-          <a:bodyPr anchor="ctr" bIns="45720" lIns="91440" rIns="91440" rtlCol="0" tIns="45720" vert="horz"/>
+          <a:bodyPr vert="horz" lIns="91440" tIns="45720" rIns="91440" bIns="45720" rtlCol="0" anchor="ctr"/>
           <a:lstStyle>
             <a:lvl1pPr algn="l">
               <a:defRPr sz="900">
@@ -2719,7 +2733,7 @@
           <a:p>
             <a:fld id="{241EB5C9-1307-BA42-ABA2-0BC069CD8E7F}" type="datetimeFigureOut">
               <a:rPr lang="en-US" smtClean="0"/>
-              <a:t>1/2/22</a:t>
+              <a:t>10/11/2022</a:t>
             </a:fld>
             <a:endParaRPr lang="en-US"/>
           </a:p>
@@ -2732,7 +2746,7 @@
             <a:spLocks noGrp="1"/>
           </p:cNvSpPr>
           <p:nvPr>
-            <p:ph idx="3" sz="quarter" type="ftr"/>
+            <p:ph type="ftr" sz="quarter" idx="3"/>
           </p:nvPr>
         </p:nvSpPr>
         <p:spPr>
@@ -2745,7 +2759,7 @@
           </a:prstGeom>
         </p:spPr>
         <p:txBody>
-          <a:bodyPr anchor="ctr" bIns="45720" lIns="91440" rIns="91440" rtlCol="0" tIns="45720" vert="horz"/>
+          <a:bodyPr vert="horz" lIns="91440" tIns="45720" rIns="91440" bIns="45720" rtlCol="0" anchor="ctr"/>
           <a:lstStyle>
             <a:lvl1pPr algn="ctr">
               <a:defRPr sz="900">
@@ -2769,7 +2783,7 @@
             <a:spLocks noGrp="1"/>
           </p:cNvSpPr>
           <p:nvPr>
-            <p:ph idx="4" sz="quarter" type="sldNum"/>
+            <p:ph type="sldNum" sz="quarter" idx="4"/>
           </p:nvPr>
         </p:nvSpPr>
         <p:spPr>
@@ -2782,7 +2796,7 @@
           </a:prstGeom>
         </p:spPr>
         <p:txBody>
-          <a:bodyPr anchor="ctr" bIns="45720" lIns="91440" rIns="91440" rtlCol="0" tIns="45720" vert="horz"/>
+          <a:bodyPr vert="horz" lIns="91440" tIns="45720" rIns="91440" bIns="45720" rtlCol="0" anchor="ctr"/>
           <a:lstStyle>
             <a:lvl1pPr algn="r">
               <a:defRPr sz="900">
@@ -2797,7 +2811,7 @@
           <a:p>
             <a:fld id="{C5EF2332-01BF-834F-8236-50238282D533}" type="slidenum">
               <a:rPr lang="en-US" smtClean="0"/>
-              <a:t>‹#›</a:t>
+              <a:t>‹Nº›</a:t>
             </a:fld>
             <a:endParaRPr lang="en-US"/>
           </a:p>
@@ -2810,7 +2824,7 @@
       </p:ext>
     </p:extLst>
   </p:cSld>
-  <p:clrMap accent1="accent1" accent2="accent2" accent3="accent3" accent4="accent4" accent5="accent5" accent6="accent6" bg1="lt1" bg2="lt2" folHlink="folHlink" hlink="hlink" tx1="dk1" tx2="dk2"/>
+  <p:clrMap bg1="lt1" tx1="dk1" bg2="lt2" tx2="dk2" accent1="accent1" accent2="accent2" accent3="accent3" accent4="accent4" accent5="accent5" accent6="accent6" hlink="hlink" folHlink="folHlink"/>
   <p:sldLayoutIdLst>
     <p:sldLayoutId id="2147483649" r:id="rId1"/>
     <p:sldLayoutId id="2147483650" r:id="rId2"/>
@@ -2826,12 +2840,12 @@
   </p:sldLayoutIdLst>
   <p:txStyles>
     <p:titleStyle>
-      <a:lvl1pPr algn="ctr" defTabSz="342900" eaLnBrk="1" hangingPunct="1" latinLnBrk="0" rtl="0">
+      <a:lvl1pPr algn="ctr" defTabSz="342900" rtl="0" eaLnBrk="1" latinLnBrk="0" hangingPunct="1">
         <a:spcBef>
           <a:spcPct val="0"/>
         </a:spcBef>
         <a:buNone/>
-        <a:defRPr kern="1200" sz="3300">
+        <a:defRPr sz="3300" kern="1200">
           <a:solidFill>
             <a:schemeClr val="tx1"/>
           </a:solidFill>
@@ -2842,13 +2856,13 @@
       </a:lvl1pPr>
     </p:titleStyle>
     <p:bodyStyle>
-      <a:lvl1pPr algn="l" defTabSz="342900" eaLnBrk="1" hangingPunct="1" indent="-342900" latinLnBrk="0" marL="342900" rtl="0">
+      <a:lvl1pPr marL="342900" indent="-342900" algn="l" defTabSz="342900" rtl="0" eaLnBrk="1" latinLnBrk="0" hangingPunct="1">
         <a:spcBef>
           <a:spcPct val="20000"/>
         </a:spcBef>
         <a:buFont typeface="Arial"/>
         <a:buChar char="•"/>
-        <a:defRPr kern="1200" sz="2400">
+        <a:defRPr sz="2400" kern="1200">
           <a:solidFill>
             <a:schemeClr val="tx1"/>
           </a:solidFill>
@@ -2857,13 +2871,13 @@
           <a:cs typeface="+mn-cs"/>
         </a:defRPr>
       </a:lvl1pPr>
-      <a:lvl2pPr algn="l" defTabSz="342900" eaLnBrk="1" hangingPunct="1" indent="-342900" latinLnBrk="0" marL="685800" rtl="0">
+      <a:lvl2pPr marL="685800" indent="-342900" algn="l" defTabSz="342900" rtl="0" eaLnBrk="1" latinLnBrk="0" hangingPunct="1">
         <a:spcBef>
           <a:spcPct val="20000"/>
         </a:spcBef>
         <a:buFont typeface="Arial"/>
         <a:buChar char="–"/>
-        <a:defRPr kern="1200" sz="2100">
+        <a:defRPr sz="2100" kern="1200">
           <a:solidFill>
             <a:schemeClr val="tx1"/>
           </a:solidFill>
@@ -2872,13 +2886,13 @@
           <a:cs typeface="+mn-cs"/>
         </a:defRPr>
       </a:lvl2pPr>
-      <a:lvl3pPr algn="l" defTabSz="342900" eaLnBrk="1" hangingPunct="1" indent="-342900" latinLnBrk="0" marL="1028700" rtl="0">
+      <a:lvl3pPr marL="1028700" indent="-342900" algn="l" defTabSz="342900" rtl="0" eaLnBrk="1" latinLnBrk="0" hangingPunct="1">
         <a:spcBef>
           <a:spcPct val="20000"/>
         </a:spcBef>
         <a:buFont typeface="Arial"/>
         <a:buChar char="•"/>
-        <a:defRPr kern="1200" sz="1800">
+        <a:defRPr sz="1800" kern="1200">
           <a:solidFill>
             <a:schemeClr val="tx1"/>
           </a:solidFill>
@@ -2887,13 +2901,13 @@
           <a:cs typeface="+mn-cs"/>
         </a:defRPr>
       </a:lvl3pPr>
-      <a:lvl4pPr algn="l" defTabSz="342900" eaLnBrk="1" hangingPunct="1" indent="-342900" latinLnBrk="0" marL="1371600" rtl="0">
+      <a:lvl4pPr marL="1371600" indent="-342900" algn="l" defTabSz="342900" rtl="0" eaLnBrk="1" latinLnBrk="0" hangingPunct="1">
         <a:spcBef>
           <a:spcPct val="20000"/>
         </a:spcBef>
         <a:buFont typeface="Arial"/>
         <a:buChar char="–"/>
-        <a:defRPr kern="1200" sz="1500">
+        <a:defRPr sz="1500" kern="1200">
           <a:solidFill>
             <a:schemeClr val="tx1"/>
           </a:solidFill>
@@ -2902,13 +2916,13 @@
           <a:cs typeface="+mn-cs"/>
         </a:defRPr>
       </a:lvl4pPr>
-      <a:lvl5pPr algn="l" defTabSz="342900" eaLnBrk="1" hangingPunct="1" indent="-342900" latinLnBrk="0" marL="1714500" rtl="0">
+      <a:lvl5pPr marL="1714500" indent="-342900" algn="l" defTabSz="342900" rtl="0" eaLnBrk="1" latinLnBrk="0" hangingPunct="1">
         <a:spcBef>
           <a:spcPct val="20000"/>
         </a:spcBef>
         <a:buFont typeface="Arial"/>
         <a:buChar char="»"/>
-        <a:defRPr kern="1200" sz="1500">
+        <a:defRPr sz="1500" kern="1200">
           <a:solidFill>
             <a:schemeClr val="tx1"/>
           </a:solidFill>
@@ -2917,13 +2931,13 @@
           <a:cs typeface="+mn-cs"/>
         </a:defRPr>
       </a:lvl5pPr>
-      <a:lvl6pPr algn="l" defTabSz="342900" eaLnBrk="1" hangingPunct="1" indent="-342900" latinLnBrk="0" marL="2057400" rtl="0">
+      <a:lvl6pPr marL="2057400" indent="-342900" algn="l" defTabSz="342900" rtl="0" eaLnBrk="1" latinLnBrk="0" hangingPunct="1">
         <a:spcBef>
           <a:spcPct val="20000"/>
         </a:spcBef>
         <a:buFont typeface="Arial"/>
         <a:buChar char="•"/>
-        <a:defRPr kern="1200" sz="1500">
+        <a:defRPr sz="1500" kern="1200">
           <a:solidFill>
             <a:schemeClr val="tx1"/>
           </a:solidFill>
@@ -2932,13 +2946,13 @@
           <a:cs typeface="+mn-cs"/>
         </a:defRPr>
       </a:lvl6pPr>
-      <a:lvl7pPr algn="l" defTabSz="342900" eaLnBrk="1" hangingPunct="1" indent="-342900" latinLnBrk="0" marL="2400300" rtl="0">
+      <a:lvl7pPr marL="2400300" indent="-342900" algn="l" defTabSz="342900" rtl="0" eaLnBrk="1" latinLnBrk="0" hangingPunct="1">
         <a:spcBef>
           <a:spcPct val="20000"/>
         </a:spcBef>
         <a:buFont typeface="Arial"/>
         <a:buChar char="•"/>
-        <a:defRPr kern="1200" sz="1500">
+        <a:defRPr sz="1500" kern="1200">
           <a:solidFill>
             <a:schemeClr val="tx1"/>
           </a:solidFill>
@@ -2947,13 +2961,13 @@
           <a:cs typeface="+mn-cs"/>
         </a:defRPr>
       </a:lvl7pPr>
-      <a:lvl8pPr algn="l" defTabSz="342900" eaLnBrk="1" hangingPunct="1" indent="-342900" latinLnBrk="0" marL="2743200" rtl="0">
+      <a:lvl8pPr marL="2743200" indent="-342900" algn="l" defTabSz="342900" rtl="0" eaLnBrk="1" latinLnBrk="0" hangingPunct="1">
         <a:spcBef>
           <a:spcPct val="20000"/>
         </a:spcBef>
         <a:buFont typeface="Arial"/>
         <a:buChar char="•"/>
-        <a:defRPr kern="1200" sz="1500">
+        <a:defRPr sz="1500" kern="1200">
           <a:solidFill>
             <a:schemeClr val="tx1"/>
           </a:solidFill>
@@ -2962,13 +2976,13 @@
           <a:cs typeface="+mn-cs"/>
         </a:defRPr>
       </a:lvl8pPr>
-      <a:lvl9pPr algn="l" defTabSz="342900" eaLnBrk="1" hangingPunct="1" indent="-342900" latinLnBrk="0" marL="3086100" rtl="0">
+      <a:lvl9pPr marL="3086100" indent="-342900" algn="l" defTabSz="342900" rtl="0" eaLnBrk="1" latinLnBrk="0" hangingPunct="1">
         <a:spcBef>
           <a:spcPct val="20000"/>
         </a:spcBef>
         <a:buFont typeface="Arial"/>
         <a:buChar char="•"/>
-        <a:defRPr kern="1200" sz="1500">
+        <a:defRPr sz="1500" kern="1200">
           <a:solidFill>
             <a:schemeClr val="tx1"/>
           </a:solidFill>
@@ -2982,8 +2996,8 @@
       <a:defPPr>
         <a:defRPr lang="en-US"/>
       </a:defPPr>
-      <a:lvl1pPr algn="l" defTabSz="342900" eaLnBrk="1" hangingPunct="1" latinLnBrk="0" marL="0" rtl="0">
-        <a:defRPr kern="1200" sz="1350">
+      <a:lvl1pPr marL="0" algn="l" defTabSz="342900" rtl="0" eaLnBrk="1" latinLnBrk="0" hangingPunct="1">
+        <a:defRPr sz="1350" kern="1200">
           <a:solidFill>
             <a:schemeClr val="tx1"/>
           </a:solidFill>
@@ -2992,8 +3006,8 @@
           <a:cs typeface="+mn-cs"/>
         </a:defRPr>
       </a:lvl1pPr>
-      <a:lvl2pPr algn="l" defTabSz="342900" eaLnBrk="1" hangingPunct="1" latinLnBrk="0" marL="342900" rtl="0">
-        <a:defRPr kern="1200" sz="1350">
+      <a:lvl2pPr marL="342900" algn="l" defTabSz="342900" rtl="0" eaLnBrk="1" latinLnBrk="0" hangingPunct="1">
+        <a:defRPr sz="1350" kern="1200">
           <a:solidFill>
             <a:schemeClr val="tx1"/>
           </a:solidFill>
@@ -3002,8 +3016,8 @@
           <a:cs typeface="+mn-cs"/>
         </a:defRPr>
       </a:lvl2pPr>
-      <a:lvl3pPr algn="l" defTabSz="342900" eaLnBrk="1" hangingPunct="1" latinLnBrk="0" marL="685800" rtl="0">
-        <a:defRPr kern="1200" sz="1350">
+      <a:lvl3pPr marL="685800" algn="l" defTabSz="342900" rtl="0" eaLnBrk="1" latinLnBrk="0" hangingPunct="1">
+        <a:defRPr sz="1350" kern="1200">
           <a:solidFill>
             <a:schemeClr val="tx1"/>
           </a:solidFill>
@@ -3012,8 +3026,8 @@
           <a:cs typeface="+mn-cs"/>
         </a:defRPr>
       </a:lvl3pPr>
-      <a:lvl4pPr algn="l" defTabSz="342900" eaLnBrk="1" hangingPunct="1" latinLnBrk="0" marL="1028700" rtl="0">
-        <a:defRPr kern="1200" sz="1350">
+      <a:lvl4pPr marL="1028700" algn="l" defTabSz="342900" rtl="0" eaLnBrk="1" latinLnBrk="0" hangingPunct="1">
+        <a:defRPr sz="1350" kern="1200">
           <a:solidFill>
             <a:schemeClr val="tx1"/>
           </a:solidFill>
@@ -3022,8 +3036,8 @@
           <a:cs typeface="+mn-cs"/>
         </a:defRPr>
       </a:lvl4pPr>
-      <a:lvl5pPr algn="l" defTabSz="342900" eaLnBrk="1" hangingPunct="1" latinLnBrk="0" marL="1371600" rtl="0">
-        <a:defRPr kern="1200" sz="1350">
+      <a:lvl5pPr marL="1371600" algn="l" defTabSz="342900" rtl="0" eaLnBrk="1" latinLnBrk="0" hangingPunct="1">
+        <a:defRPr sz="1350" kern="1200">
           <a:solidFill>
             <a:schemeClr val="tx1"/>
           </a:solidFill>
@@ -3032,8 +3046,8 @@
           <a:cs typeface="+mn-cs"/>
         </a:defRPr>
       </a:lvl5pPr>
-      <a:lvl6pPr algn="l" defTabSz="342900" eaLnBrk="1" hangingPunct="1" latinLnBrk="0" marL="1714500" rtl="0">
-        <a:defRPr kern="1200" sz="1350">
+      <a:lvl6pPr marL="1714500" algn="l" defTabSz="342900" rtl="0" eaLnBrk="1" latinLnBrk="0" hangingPunct="1">
+        <a:defRPr sz="1350" kern="1200">
           <a:solidFill>
             <a:schemeClr val="tx1"/>
           </a:solidFill>
@@ -3042,8 +3056,8 @@
           <a:cs typeface="+mn-cs"/>
         </a:defRPr>
       </a:lvl6pPr>
-      <a:lvl7pPr algn="l" defTabSz="342900" eaLnBrk="1" hangingPunct="1" latinLnBrk="0" marL="2057400" rtl="0">
-        <a:defRPr kern="1200" sz="1350">
+      <a:lvl7pPr marL="2057400" algn="l" defTabSz="342900" rtl="0" eaLnBrk="1" latinLnBrk="0" hangingPunct="1">
+        <a:defRPr sz="1350" kern="1200">
           <a:solidFill>
             <a:schemeClr val="tx1"/>
           </a:solidFill>
@@ -3052,8 +3066,8 @@
           <a:cs typeface="+mn-cs"/>
         </a:defRPr>
       </a:lvl7pPr>
-      <a:lvl8pPr algn="l" defTabSz="342900" eaLnBrk="1" hangingPunct="1" latinLnBrk="0" marL="2400300" rtl="0">
-        <a:defRPr kern="1200" sz="1350">
+      <a:lvl8pPr marL="2400300" algn="l" defTabSz="342900" rtl="0" eaLnBrk="1" latinLnBrk="0" hangingPunct="1">
+        <a:defRPr sz="1350" kern="1200">
           <a:solidFill>
             <a:schemeClr val="tx1"/>
           </a:solidFill>
@@ -3062,8 +3076,8 @@
           <a:cs typeface="+mn-cs"/>
         </a:defRPr>
       </a:lvl8pPr>
-      <a:lvl9pPr algn="l" defTabSz="342900" eaLnBrk="1" hangingPunct="1" latinLnBrk="0" marL="2743200" rtl="0">
-        <a:defRPr kern="1200" sz="1350">
+      <a:lvl9pPr marL="2743200" algn="l" defTabSz="342900" rtl="0" eaLnBrk="1" latinLnBrk="0" hangingPunct="1">
+        <a:defRPr sz="1350" kern="1200">
           <a:solidFill>
             <a:schemeClr val="tx1"/>
           </a:solidFill>
@@ -3114,13 +3128,58 @@
           <a:bodyPr/>
           <a:lstStyle/>
           <a:p>
-            <a:pPr lvl="0" indent="0" marL="0">
-              <a:buNone/>
-            </a:pPr>
-            <a:r>
-              <a:rPr/>
-              <a:t>Códificando Funciones y buenas Prácticas</a:t>
-            </a:r>
+            <a:pPr marL="0" lvl="0" indent="0">
+              <a:buNone/>
+            </a:pPr>
+            <a:r>
+              <a:rPr dirty="0"/>
+              <a:t>C</a:t>
+            </a:r>
+            <a:r>
+              <a:rPr lang="es-ES" dirty="0"/>
+              <a:t>o</a:t>
+            </a:r>
+            <a:r>
+              <a:rPr dirty="0" err="1"/>
+              <a:t>dificando</a:t>
+            </a:r>
+            <a:r>
+              <a:rPr dirty="0"/>
+              <a:t> </a:t>
+            </a:r>
+            <a:r>
+              <a:rPr lang="es-ES" dirty="0"/>
+              <a:t>f</a:t>
+            </a:r>
+            <a:r>
+              <a:rPr dirty="0" err="1"/>
+              <a:t>unciones</a:t>
+            </a:r>
+            <a:r>
+              <a:rPr dirty="0"/>
+              <a:t> y </a:t>
+            </a:r>
+            <a:r>
+              <a:rPr lang="es-ES" dirty="0"/>
+              <a:t>B</a:t>
+            </a:r>
+            <a:r>
+              <a:rPr dirty="0" err="1"/>
+              <a:t>uenas</a:t>
+            </a:r>
+            <a:r>
+              <a:rPr dirty="0"/>
+              <a:t> </a:t>
+            </a:r>
+            <a:r>
+              <a:rPr lang="es-ES" dirty="0"/>
+              <a:t>p</a:t>
+            </a:r>
+            <a:r>
+              <a:rPr dirty="0" err="1"/>
+              <a:t>rácticas</a:t>
+            </a:r>
+            <a:endParaRPr dirty="0"/>
           </a:p>
         </p:txBody>
       </p:sp>
@@ -3131,7 +3190,7 @@
             <a:spLocks noGrp="1"/>
           </p:cNvSpPr>
           <p:nvPr>
-            <p:ph idx="1" type="subTitle"/>
+            <p:ph type="subTitle" idx="1"/>
           </p:nvPr>
         </p:nvSpPr>
         <p:spPr>
@@ -3144,13 +3203,17 @@
           <a:bodyPr/>
           <a:lstStyle/>
           <a:p>
-            <a:pPr lvl="0" indent="0" marL="0">
-              <a:buNone/>
-            </a:pPr>
-            <a:br/>
-            <a:br/>
-            <a:r>
-              <a:rPr/>
+            <a:pPr marL="0" lvl="0" indent="0">
+              <a:buNone/>
+            </a:pPr>
+            <a:br>
+              <a:rPr dirty="0"/>
+            </a:br>
+            <a:br>
+              <a:rPr dirty="0"/>
+            </a:br>
+            <a:r>
+              <a:rPr dirty="0"/>
               <a:t>Guillermo Durán González</a:t>
             </a:r>
           </a:p>
@@ -3158,6 +3221,434 @@
       </p:sp>
     </p:spTree>
   </p:cSld>
+  <p:clrMapOvr>
+    <a:masterClrMapping/>
+  </p:clrMapOvr>
+</p:sld>
+</file>
+
+<file path=ppt/slides/slide10.xml><?xml version="1.0" encoding="utf-8"?>
+<p:sld xmlns:a="http://schemas.openxmlformats.org/drawingml/2006/main" xmlns:r="http://schemas.openxmlformats.org/officeDocument/2006/relationships" xmlns:p="http://schemas.openxmlformats.org/presentationml/2006/main">
+  <p:cSld>
+    <p:spTree>
+      <p:nvGrpSpPr>
+        <p:cNvPr id="1" name=""/>
+        <p:cNvGrpSpPr/>
+        <p:nvPr/>
+      </p:nvGrpSpPr>
+      <p:grpSpPr>
+        <a:xfrm>
+          <a:off x="0" y="0"/>
+          <a:ext cx="0" cy="0"/>
+          <a:chOff x="0" y="0"/>
+          <a:chExt cx="0" cy="0"/>
+        </a:xfrm>
+      </p:grpSpPr>
+      <p:sp>
+        <p:nvSpPr>
+          <p:cNvPr id="2" name="Title 1"/>
+          <p:cNvSpPr>
+            <a:spLocks noGrp="1"/>
+          </p:cNvSpPr>
+          <p:nvPr>
+            <p:ph type="title"/>
+          </p:nvPr>
+        </p:nvSpPr>
+        <p:spPr/>
+        <p:txBody>
+          <a:bodyPr/>
+          <a:lstStyle/>
+          <a:p>
+            <a:pPr marL="0" lvl="0" indent="0">
+              <a:buNone/>
+            </a:pPr>
+            <a:r>
+              <a:rPr dirty="0"/>
+              <a:t>Carga </a:t>
+            </a:r>
+            <a:r>
+              <a:rPr lang="es-ES" dirty="0"/>
+              <a:t>y prueba</a:t>
+            </a:r>
+            <a:endParaRPr dirty="0"/>
+          </a:p>
+        </p:txBody>
+      </p:sp>
+      <p:sp>
+        <p:nvSpPr>
+          <p:cNvPr id="3" name="Content Placeholder 2"/>
+          <p:cNvSpPr>
+            <a:spLocks noGrp="1"/>
+          </p:cNvSpPr>
+          <p:nvPr>
+            <p:ph idx="1"/>
+          </p:nvPr>
+        </p:nvSpPr>
+        <p:spPr/>
+        <p:txBody>
+          <a:bodyPr>
+            <a:normAutofit/>
+          </a:bodyPr>
+          <a:lstStyle/>
+          <a:p>
+            <a:pPr marL="0" lvl="0" indent="0">
+              <a:buNone/>
+            </a:pPr>
+            <a:r>
+              <a:rPr lang="es-CL" dirty="0">
+                <a:solidFill>
+                  <a:schemeClr val="tx2">
+                    <a:lumMod val="75000"/>
+                  </a:schemeClr>
+                </a:solidFill>
+              </a:rPr>
+              <a:t>#Caraga en el arreglo con datos</a:t>
+            </a:r>
+          </a:p>
+          <a:p>
+            <a:pPr marL="0" lvl="0" indent="0">
+              <a:buNone/>
+            </a:pPr>
+            <a:r>
+              <a:rPr lang="es-CL" dirty="0" err="1">
+                <a:solidFill>
+                  <a:schemeClr val="tx2">
+                    <a:lumMod val="75000"/>
+                  </a:schemeClr>
+                </a:solidFill>
+              </a:rPr>
+              <a:t>eans</a:t>
+            </a:r>
+            <a:r>
+              <a:rPr lang="es-CL" dirty="0">
+                <a:solidFill>
+                  <a:schemeClr val="tx2">
+                    <a:lumMod val="75000"/>
+                  </a:schemeClr>
+                </a:solidFill>
+              </a:rPr>
+              <a:t>&lt;-</a:t>
+            </a:r>
+            <a:r>
+              <a:rPr lang="es-CL" dirty="0" err="1">
+                <a:solidFill>
+                  <a:schemeClr val="tx2">
+                    <a:lumMod val="75000"/>
+                  </a:schemeClr>
+                </a:solidFill>
+              </a:rPr>
+              <a:t>df$EANSC</a:t>
+            </a:r>
+            <a:endParaRPr lang="es-CL" dirty="0">
+              <a:solidFill>
+                <a:schemeClr val="tx2">
+                  <a:lumMod val="75000"/>
+                </a:schemeClr>
+              </a:solidFill>
+            </a:endParaRPr>
+          </a:p>
+          <a:p>
+            <a:pPr marL="0" lvl="0" indent="0">
+              <a:buNone/>
+            </a:pPr>
+            <a:r>
+              <a:rPr lang="es-CL" dirty="0">
+                <a:solidFill>
+                  <a:schemeClr val="tx2">
+                    <a:lumMod val="75000"/>
+                  </a:schemeClr>
+                </a:solidFill>
+              </a:rPr>
+              <a:t>#Prueba de la función</a:t>
+            </a:r>
+          </a:p>
+          <a:p>
+            <a:pPr marL="0" lvl="0" indent="0">
+              <a:buNone/>
+            </a:pPr>
+            <a:r>
+              <a:rPr lang="es-CL" dirty="0" err="1">
+                <a:solidFill>
+                  <a:schemeClr val="tx2">
+                    <a:lumMod val="75000"/>
+                  </a:schemeClr>
+                </a:solidFill>
+              </a:rPr>
+              <a:t>for</a:t>
+            </a:r>
+            <a:r>
+              <a:rPr lang="es-CL" dirty="0">
+                <a:solidFill>
+                  <a:schemeClr val="tx2">
+                    <a:lumMod val="75000"/>
+                  </a:schemeClr>
+                </a:solidFill>
+              </a:rPr>
+              <a:t>(i in 1:2100) </a:t>
+            </a:r>
+          </a:p>
+          <a:p>
+            <a:pPr marL="0" lvl="0" indent="0">
+              <a:buNone/>
+            </a:pPr>
+            <a:r>
+              <a:rPr lang="es-CL" dirty="0">
+                <a:solidFill>
+                  <a:schemeClr val="tx2">
+                    <a:lumMod val="75000"/>
+                  </a:schemeClr>
+                </a:solidFill>
+              </a:rPr>
+              <a:t>{ </a:t>
+            </a:r>
+            <a:r>
+              <a:rPr lang="es-CL" dirty="0" err="1">
+                <a:solidFill>
+                  <a:schemeClr val="tx2">
+                    <a:lumMod val="75000"/>
+                  </a:schemeClr>
+                </a:solidFill>
+              </a:rPr>
+              <a:t>eancc</a:t>
+            </a:r>
+            <a:r>
+              <a:rPr lang="es-CL" dirty="0">
+                <a:solidFill>
+                  <a:schemeClr val="tx2">
+                    <a:lumMod val="75000"/>
+                  </a:schemeClr>
+                </a:solidFill>
+              </a:rPr>
+              <a:t>[i]&lt;-</a:t>
+            </a:r>
+            <a:r>
+              <a:rPr lang="es-CL" dirty="0" err="1">
+                <a:solidFill>
+                  <a:schemeClr val="tx2">
+                    <a:lumMod val="75000"/>
+                  </a:schemeClr>
+                </a:solidFill>
+              </a:rPr>
+              <a:t>ean</a:t>
+            </a:r>
+            <a:r>
+              <a:rPr lang="es-CL" dirty="0">
+                <a:solidFill>
+                  <a:schemeClr val="tx2">
+                    <a:lumMod val="75000"/>
+                  </a:schemeClr>
+                </a:solidFill>
+              </a:rPr>
+              <a:t>(</a:t>
+            </a:r>
+            <a:r>
+              <a:rPr lang="es-CL" dirty="0" err="1">
+                <a:solidFill>
+                  <a:schemeClr val="tx2">
+                    <a:lumMod val="75000"/>
+                  </a:schemeClr>
+                </a:solidFill>
+              </a:rPr>
+              <a:t>eans</a:t>
+            </a:r>
+            <a:r>
+              <a:rPr lang="es-CL" dirty="0">
+                <a:solidFill>
+                  <a:schemeClr val="tx2">
+                    <a:lumMod val="75000"/>
+                  </a:schemeClr>
+                </a:solidFill>
+              </a:rPr>
+              <a:t>[i]) }</a:t>
+            </a:r>
+          </a:p>
+          <a:p>
+            <a:pPr marL="0" lvl="0" indent="0">
+              <a:buNone/>
+            </a:pPr>
+            <a:endParaRPr dirty="0"/>
+          </a:p>
+        </p:txBody>
+      </p:sp>
+    </p:spTree>
+    <p:extLst>
+      <p:ext uri="{BB962C8B-B14F-4D97-AF65-F5344CB8AC3E}">
+        <p14:creationId xmlns:p14="http://schemas.microsoft.com/office/powerpoint/2010/main" val="3168177398"/>
+      </p:ext>
+    </p:extLst>
+  </p:cSld>
+  <p:clrMapOvr>
+    <a:masterClrMapping/>
+  </p:clrMapOvr>
+</p:sld>
+</file>
+
+<file path=ppt/slides/slide11.xml><?xml version="1.0" encoding="utf-8"?>
+<p:sld xmlns:a="http://schemas.openxmlformats.org/drawingml/2006/main" xmlns:r="http://schemas.openxmlformats.org/officeDocument/2006/relationships" xmlns:p="http://schemas.openxmlformats.org/presentationml/2006/main">
+  <p:cSld>
+    <p:spTree>
+      <p:nvGrpSpPr>
+        <p:cNvPr id="1" name=""/>
+        <p:cNvGrpSpPr/>
+        <p:nvPr/>
+      </p:nvGrpSpPr>
+      <p:grpSpPr>
+        <a:xfrm>
+          <a:off x="0" y="0"/>
+          <a:ext cx="0" cy="0"/>
+          <a:chOff x="0" y="0"/>
+          <a:chExt cx="0" cy="0"/>
+        </a:xfrm>
+      </p:grpSpPr>
+      <p:sp>
+        <p:nvSpPr>
+          <p:cNvPr id="2" name="Title 1"/>
+          <p:cNvSpPr>
+            <a:spLocks noGrp="1"/>
+          </p:cNvSpPr>
+          <p:nvPr>
+            <p:ph type="title"/>
+          </p:nvPr>
+        </p:nvSpPr>
+        <p:spPr/>
+        <p:txBody>
+          <a:bodyPr/>
+          <a:lstStyle/>
+          <a:p>
+            <a:pPr marL="0" lvl="0" indent="0">
+              <a:buNone/>
+            </a:pPr>
+            <a:r>
+              <a:rPr lang="es-ES" dirty="0"/>
+              <a:t>Prueba con un </a:t>
+            </a:r>
+            <a:r>
+              <a:rPr lang="es-ES" dirty="0" err="1"/>
+              <a:t>dataframe</a:t>
+            </a:r>
+            <a:endParaRPr dirty="0"/>
+          </a:p>
+        </p:txBody>
+      </p:sp>
+      <p:sp>
+        <p:nvSpPr>
+          <p:cNvPr id="3" name="Content Placeholder 2"/>
+          <p:cNvSpPr>
+            <a:spLocks noGrp="1"/>
+          </p:cNvSpPr>
+          <p:nvPr>
+            <p:ph idx="1"/>
+          </p:nvPr>
+        </p:nvSpPr>
+        <p:spPr/>
+        <p:txBody>
+          <a:bodyPr>
+            <a:normAutofit/>
+          </a:bodyPr>
+          <a:lstStyle/>
+          <a:p>
+            <a:pPr marL="0" lvl="0" indent="0">
+              <a:buNone/>
+            </a:pPr>
+            <a:r>
+              <a:rPr lang="es-CL" dirty="0" err="1">
+                <a:solidFill>
+                  <a:schemeClr val="tx2">
+                    <a:lumMod val="75000"/>
+                  </a:schemeClr>
+                </a:solidFill>
+              </a:rPr>
+              <a:t>dfcCC</a:t>
+            </a:r>
+            <a:r>
+              <a:rPr lang="es-CL" dirty="0">
+                <a:solidFill>
+                  <a:schemeClr val="tx2">
+                    <a:lumMod val="75000"/>
+                  </a:schemeClr>
+                </a:solidFill>
+              </a:rPr>
+              <a:t>&lt;-</a:t>
+            </a:r>
+            <a:r>
+              <a:rPr lang="es-CL" dirty="0" err="1">
+                <a:solidFill>
+                  <a:schemeClr val="tx2">
+                    <a:lumMod val="75000"/>
+                  </a:schemeClr>
+                </a:solidFill>
+              </a:rPr>
+              <a:t>data.frame</a:t>
+            </a:r>
+            <a:r>
+              <a:rPr lang="es-CL" dirty="0">
+                <a:solidFill>
+                  <a:schemeClr val="tx2">
+                    <a:lumMod val="75000"/>
+                  </a:schemeClr>
+                </a:solidFill>
+              </a:rPr>
+              <a:t>(</a:t>
+            </a:r>
+            <a:r>
+              <a:rPr lang="es-CL" dirty="0" err="1">
+                <a:solidFill>
+                  <a:schemeClr val="tx2">
+                    <a:lumMod val="75000"/>
+                  </a:schemeClr>
+                </a:solidFill>
+              </a:rPr>
+              <a:t>eans,ean</a:t>
+            </a:r>
+            <a:r>
+              <a:rPr lang="es-CL" dirty="0">
+                <a:solidFill>
+                  <a:schemeClr val="tx2">
+                    <a:lumMod val="75000"/>
+                  </a:schemeClr>
+                </a:solidFill>
+              </a:rPr>
+              <a:t>(</a:t>
+            </a:r>
+            <a:r>
+              <a:rPr lang="es-CL" dirty="0" err="1">
+                <a:solidFill>
+                  <a:schemeClr val="tx2">
+                    <a:lumMod val="75000"/>
+                  </a:schemeClr>
+                </a:solidFill>
+              </a:rPr>
+              <a:t>eans</a:t>
+            </a:r>
+            <a:r>
+              <a:rPr lang="es-CL" dirty="0">
+                <a:solidFill>
+                  <a:schemeClr val="tx2">
+                    <a:lumMod val="75000"/>
+                  </a:schemeClr>
+                </a:solidFill>
+              </a:rPr>
+              <a:t>))</a:t>
+            </a:r>
+          </a:p>
+          <a:p>
+            <a:pPr marL="0" lvl="0" indent="0">
+              <a:buNone/>
+            </a:pPr>
+            <a:endParaRPr dirty="0"/>
+          </a:p>
+        </p:txBody>
+      </p:sp>
+    </p:spTree>
+    <p:extLst>
+      <p:ext uri="{BB962C8B-B14F-4D97-AF65-F5344CB8AC3E}">
+        <p14:creationId xmlns:p14="http://schemas.microsoft.com/office/powerpoint/2010/main" val="2904955813"/>
+      </p:ext>
+    </p:extLst>
+  </p:cSld>
+  <p:clrMapOvr>
+    <a:masterClrMapping/>
+  </p:clrMapOvr>
 </p:sld>
 </file>
 
@@ -3193,12 +3684,48 @@
           <a:bodyPr/>
           <a:lstStyle/>
           <a:p>
-            <a:pPr lvl="0" indent="0" marL="0">
-              <a:buNone/>
-            </a:pPr>
-            <a:r>
-              <a:rPr/>
-              <a:t>Ajsuatndo la función EAN</a:t>
+            <a:pPr marL="0" lvl="0" indent="0">
+              <a:buNone/>
+            </a:pPr>
+            <a:r>
+              <a:rPr dirty="0"/>
+              <a:t>A</a:t>
+            </a:r>
+            <a:r>
+              <a:rPr lang="es-ES" dirty="0"/>
+              <a:t>j</a:t>
+            </a:r>
+            <a:r>
+              <a:rPr dirty="0"/>
+              <a:t>u</a:t>
+            </a:r>
+            <a:r>
+              <a:rPr lang="es-ES" dirty="0"/>
+              <a:t>s</a:t>
+            </a:r>
+            <a:r>
+              <a:rPr dirty="0"/>
+              <a:t>t</a:t>
+            </a:r>
+            <a:r>
+              <a:rPr lang="es-ES" dirty="0"/>
+              <a:t>s</a:t>
+            </a:r>
+            <a:r>
+              <a:rPr dirty="0" err="1"/>
+              <a:t>ndo</a:t>
+            </a:r>
+            <a:r>
+              <a:rPr dirty="0"/>
+              <a:t> la </a:t>
+            </a:r>
+            <a:r>
+              <a:rPr dirty="0" err="1"/>
+              <a:t>función</a:t>
+            </a:r>
+            <a:r>
+              <a:rPr dirty="0"/>
+              <a:t> EAN</a:t>
             </a:r>
           </a:p>
         </p:txBody>
@@ -3215,48 +3742,326 @@
         </p:nvSpPr>
         <p:spPr/>
         <p:txBody>
-          <a:bodyPr/>
+          <a:bodyPr>
+            <a:normAutofit lnSpcReduction="10000"/>
+          </a:bodyPr>
           <a:lstStyle/>
           <a:p>
-            <a:pPr lvl="0" indent="0" marL="0">
-              <a:buNone/>
-            </a:pPr>
-            <a:r>
-              <a:rPr/>
-              <a:t>Verificación de parámetros de la función:</a:t>
-            </a:r>
-          </a:p>
-          <a:p>
-            <a:pPr lvl="0" indent="0" marL="0">
-              <a:buNone/>
-            </a:pPr>
-            <a:r>
-              <a:rPr/>
-              <a:t>if (!is.character(x)) { stop(“La función ean() espera una cadena de caracteres numericos.”)</a:t>
-            </a:r>
-          </a:p>
-          <a:p>
-            <a:pPr lvl="0" indent="0" marL="0">
-              <a:buNone/>
-            </a:pPr>
-            <a:r>
-              <a:rPr/>
-              <a:t>Declaración de variables locales</a:t>
-            </a:r>
-          </a:p>
-          <a:p>
-            <a:pPr lvl="0" indent="0" marL="0">
-              <a:buNone/>
-            </a:pPr>
-            <a:r>
-              <a:rPr/>
-              <a:t>sumai&lt;-0 sumap&lt;-0</a:t>
+            <a:pPr marL="0" lvl="0" indent="0">
+              <a:buNone/>
+            </a:pPr>
+            <a:r>
+              <a:rPr dirty="0" err="1"/>
+              <a:t>Verificación</a:t>
+            </a:r>
+            <a:r>
+              <a:rPr dirty="0"/>
+              <a:t> de </a:t>
+            </a:r>
+            <a:r>
+              <a:rPr lang="es-CL" dirty="0"/>
+              <a:t>parámetros</a:t>
+            </a:r>
+            <a:r>
+              <a:rPr dirty="0"/>
+              <a:t> de la </a:t>
+            </a:r>
+            <a:r>
+              <a:rPr dirty="0" err="1"/>
+              <a:t>función</a:t>
+            </a:r>
+            <a:r>
+              <a:rPr dirty="0"/>
+              <a:t>:</a:t>
+            </a:r>
+            <a:endParaRPr lang="es-ES" dirty="0"/>
+          </a:p>
+          <a:p>
+            <a:pPr marL="0" lvl="0" indent="0">
+              <a:buNone/>
+            </a:pPr>
+            <a:endParaRPr dirty="0"/>
+          </a:p>
+          <a:p>
+            <a:pPr marL="0" lvl="0" indent="0">
+              <a:buNone/>
+            </a:pPr>
+            <a:r>
+              <a:rPr b="1" dirty="0">
+                <a:solidFill>
+                  <a:schemeClr val="tx2">
+                    <a:lumMod val="60000"/>
+                    <a:lumOff val="40000"/>
+                  </a:schemeClr>
+                </a:solidFill>
+              </a:rPr>
+              <a:t>if (!</a:t>
+            </a:r>
+            <a:r>
+              <a:rPr b="1" dirty="0" err="1">
+                <a:solidFill>
+                  <a:schemeClr val="tx2">
+                    <a:lumMod val="60000"/>
+                    <a:lumOff val="40000"/>
+                  </a:schemeClr>
+                </a:solidFill>
+              </a:rPr>
+              <a:t>is.character</a:t>
+            </a:r>
+            <a:r>
+              <a:rPr b="1" dirty="0">
+                <a:solidFill>
+                  <a:schemeClr val="tx2">
+                    <a:lumMod val="60000"/>
+                    <a:lumOff val="40000"/>
+                  </a:schemeClr>
+                </a:solidFill>
+              </a:rPr>
+              <a:t>(x)) { stop(“La </a:t>
+            </a:r>
+            <a:r>
+              <a:rPr b="1" dirty="0" err="1">
+                <a:solidFill>
+                  <a:schemeClr val="tx2">
+                    <a:lumMod val="60000"/>
+                    <a:lumOff val="40000"/>
+                  </a:schemeClr>
+                </a:solidFill>
+              </a:rPr>
+              <a:t>función</a:t>
+            </a:r>
+            <a:r>
+              <a:rPr b="1" dirty="0">
+                <a:solidFill>
+                  <a:schemeClr val="tx2">
+                    <a:lumMod val="60000"/>
+                    <a:lumOff val="40000"/>
+                  </a:schemeClr>
+                </a:solidFill>
+              </a:rPr>
+              <a:t> </a:t>
+            </a:r>
+            <a:r>
+              <a:rPr b="1" dirty="0" err="1">
+                <a:solidFill>
+                  <a:schemeClr val="tx2">
+                    <a:lumMod val="60000"/>
+                    <a:lumOff val="40000"/>
+                  </a:schemeClr>
+                </a:solidFill>
+              </a:rPr>
+              <a:t>ean</a:t>
+            </a:r>
+            <a:r>
+              <a:rPr b="1" dirty="0">
+                <a:solidFill>
+                  <a:schemeClr val="tx2">
+                    <a:lumMod val="60000"/>
+                    <a:lumOff val="40000"/>
+                  </a:schemeClr>
+                </a:solidFill>
+              </a:rPr>
+              <a:t>() </a:t>
+            </a:r>
+            <a:r>
+              <a:rPr b="1" dirty="0" err="1">
+                <a:solidFill>
+                  <a:schemeClr val="tx2">
+                    <a:lumMod val="60000"/>
+                    <a:lumOff val="40000"/>
+                  </a:schemeClr>
+                </a:solidFill>
+              </a:rPr>
+              <a:t>espera</a:t>
+            </a:r>
+            <a:r>
+              <a:rPr b="1" dirty="0">
+                <a:solidFill>
+                  <a:schemeClr val="tx2">
+                    <a:lumMod val="60000"/>
+                    <a:lumOff val="40000"/>
+                  </a:schemeClr>
+                </a:solidFill>
+              </a:rPr>
+              <a:t> </a:t>
+            </a:r>
+            <a:r>
+              <a:rPr b="1" dirty="0" err="1">
+                <a:solidFill>
+                  <a:schemeClr val="tx2">
+                    <a:lumMod val="60000"/>
+                    <a:lumOff val="40000"/>
+                  </a:schemeClr>
+                </a:solidFill>
+              </a:rPr>
+              <a:t>una</a:t>
+            </a:r>
+            <a:r>
+              <a:rPr b="1" dirty="0">
+                <a:solidFill>
+                  <a:schemeClr val="tx2">
+                    <a:lumMod val="60000"/>
+                    <a:lumOff val="40000"/>
+                  </a:schemeClr>
+                </a:solidFill>
+              </a:rPr>
+              <a:t> </a:t>
+            </a:r>
+            <a:r>
+              <a:rPr b="1" dirty="0" err="1">
+                <a:solidFill>
+                  <a:schemeClr val="tx2">
+                    <a:lumMod val="60000"/>
+                    <a:lumOff val="40000"/>
+                  </a:schemeClr>
+                </a:solidFill>
+              </a:rPr>
+              <a:t>cadena</a:t>
+            </a:r>
+            <a:r>
+              <a:rPr b="1" dirty="0">
+                <a:solidFill>
+                  <a:schemeClr val="tx2">
+                    <a:lumMod val="60000"/>
+                    <a:lumOff val="40000"/>
+                  </a:schemeClr>
+                </a:solidFill>
+              </a:rPr>
+              <a:t> de </a:t>
+            </a:r>
+            <a:r>
+              <a:rPr b="1" dirty="0" err="1">
+                <a:solidFill>
+                  <a:schemeClr val="tx2">
+                    <a:lumMod val="60000"/>
+                    <a:lumOff val="40000"/>
+                  </a:schemeClr>
+                </a:solidFill>
+              </a:rPr>
+              <a:t>caracteres</a:t>
+            </a:r>
+            <a:r>
+              <a:rPr b="1" dirty="0">
+                <a:solidFill>
+                  <a:schemeClr val="tx2">
+                    <a:lumMod val="60000"/>
+                    <a:lumOff val="40000"/>
+                  </a:schemeClr>
+                </a:solidFill>
+              </a:rPr>
+              <a:t> </a:t>
+            </a:r>
+            <a:r>
+              <a:rPr b="1" dirty="0" err="1">
+                <a:solidFill>
+                  <a:schemeClr val="tx2">
+                    <a:lumMod val="60000"/>
+                    <a:lumOff val="40000"/>
+                  </a:schemeClr>
+                </a:solidFill>
+              </a:rPr>
+              <a:t>numericos</a:t>
+            </a:r>
+            <a:r>
+              <a:rPr b="1" dirty="0">
+                <a:solidFill>
+                  <a:schemeClr val="tx2">
+                    <a:lumMod val="60000"/>
+                    <a:lumOff val="40000"/>
+                  </a:schemeClr>
+                </a:solidFill>
+              </a:rPr>
+              <a:t>.”)</a:t>
+            </a:r>
+          </a:p>
+          <a:p>
+            <a:pPr marL="0" lvl="0" indent="0">
+              <a:buNone/>
+            </a:pPr>
+            <a:endParaRPr lang="es-ES" dirty="0"/>
+          </a:p>
+          <a:p>
+            <a:pPr marL="0" lvl="0" indent="0">
+              <a:buNone/>
+            </a:pPr>
+            <a:r>
+              <a:rPr dirty="0" err="1"/>
+              <a:t>Declaración</a:t>
+            </a:r>
+            <a:r>
+              <a:rPr dirty="0"/>
+              <a:t> de variables locales</a:t>
+            </a:r>
+          </a:p>
+          <a:p>
+            <a:pPr marL="0" lvl="0" indent="0">
+              <a:buNone/>
+            </a:pPr>
+            <a:r>
+              <a:rPr b="1" dirty="0" err="1">
+                <a:solidFill>
+                  <a:schemeClr val="tx2">
+                    <a:lumMod val="60000"/>
+                    <a:lumOff val="40000"/>
+                  </a:schemeClr>
+                </a:solidFill>
+              </a:rPr>
+              <a:t>sumai</a:t>
+            </a:r>
+            <a:r>
+              <a:rPr b="1" dirty="0">
+                <a:solidFill>
+                  <a:schemeClr val="tx2">
+                    <a:lumMod val="60000"/>
+                    <a:lumOff val="40000"/>
+                  </a:schemeClr>
+                </a:solidFill>
+              </a:rPr>
+              <a:t>&lt;-0 </a:t>
+            </a:r>
+            <a:endParaRPr lang="es-ES" b="1" dirty="0">
+              <a:solidFill>
+                <a:schemeClr val="tx2">
+                  <a:lumMod val="60000"/>
+                  <a:lumOff val="40000"/>
+                </a:schemeClr>
+              </a:solidFill>
+            </a:endParaRPr>
+          </a:p>
+          <a:p>
+            <a:pPr marL="0" lvl="0" indent="0">
+              <a:buNone/>
+            </a:pPr>
+            <a:r>
+              <a:rPr b="1" dirty="0" err="1">
+                <a:solidFill>
+                  <a:schemeClr val="tx2">
+                    <a:lumMod val="60000"/>
+                    <a:lumOff val="40000"/>
+                  </a:schemeClr>
+                </a:solidFill>
+              </a:rPr>
+              <a:t>sumap</a:t>
+            </a:r>
+            <a:r>
+              <a:rPr b="1" dirty="0">
+                <a:solidFill>
+                  <a:schemeClr val="tx2">
+                    <a:lumMod val="60000"/>
+                    <a:lumOff val="40000"/>
+                  </a:schemeClr>
+                </a:solidFill>
+              </a:rPr>
+              <a:t>&lt;-0</a:t>
             </a:r>
           </a:p>
         </p:txBody>
       </p:sp>
     </p:spTree>
   </p:cSld>
+  <p:clrMapOvr>
+    <a:masterClrMapping/>
+  </p:clrMapOvr>
 </p:sld>
 </file>
 
@@ -3292,11 +4097,10 @@
           <a:bodyPr/>
           <a:lstStyle/>
           <a:p>
-            <a:pPr lvl="0" indent="0" marL="0">
-              <a:buNone/>
-            </a:pPr>
-            <a:r>
-              <a:rPr/>
+            <a:pPr marL="0" lvl="0" indent="0">
+              <a:buNone/>
+            </a:pPr>
+            <a:r>
               <a:t>Ajustando los datos de entrada</a:t>
             </a:r>
           </a:p>
@@ -3317,27 +4121,168 @@
           <a:bodyPr/>
           <a:lstStyle/>
           <a:p>
-            <a:pPr lvl="0" indent="0" marL="0">
-              <a:buNone/>
-            </a:pPr>
-            <a:r>
-              <a:rPr/>
-              <a:t>Desenlaza la lista x, para convertirla en valores númericos</a:t>
-            </a:r>
-          </a:p>
-          <a:p>
-            <a:pPr lvl="0" indent="0" marL="0">
-              <a:buNone/>
-            </a:pPr>
-            <a:r>
-              <a:rPr/>
-              <a:t>eani&lt;-as.numeric(unlist(str_split(x, ““)))</a:t>
+            <a:pPr marL="0" lvl="0" indent="0">
+              <a:buNone/>
+            </a:pPr>
+            <a:r>
+              <a:rPr lang="es-CL" dirty="0"/>
+              <a:t>Desenlaza</a:t>
+            </a:r>
+            <a:r>
+              <a:rPr dirty="0"/>
+              <a:t> la </a:t>
+            </a:r>
+            <a:r>
+              <a:rPr dirty="0" err="1"/>
+              <a:t>lista</a:t>
+            </a:r>
+            <a:r>
+              <a:rPr dirty="0"/>
+              <a:t> x, para </a:t>
+            </a:r>
+            <a:r>
+              <a:rPr dirty="0" err="1"/>
+              <a:t>convertirla</a:t>
+            </a:r>
+            <a:r>
+              <a:rPr dirty="0"/>
+              <a:t> </a:t>
+            </a:r>
+            <a:r>
+              <a:rPr dirty="0" err="1"/>
+              <a:t>en</a:t>
+            </a:r>
+            <a:r>
+              <a:rPr dirty="0"/>
+              <a:t> </a:t>
+            </a:r>
+            <a:r>
+              <a:rPr dirty="0" err="1"/>
+              <a:t>valores</a:t>
+            </a:r>
+            <a:r>
+              <a:rPr dirty="0"/>
+              <a:t> n</a:t>
+            </a:r>
+            <a:r>
+              <a:rPr lang="es-CL" dirty="0" err="1"/>
+              <a:t>umé</a:t>
+            </a:r>
+            <a:r>
+              <a:rPr dirty="0" err="1"/>
+              <a:t>ricos</a:t>
+            </a:r>
+            <a:r>
+              <a:rPr lang="es-ES" dirty="0"/>
+              <a:t>:</a:t>
+            </a:r>
+          </a:p>
+          <a:p>
+            <a:pPr marL="0" lvl="0" indent="0">
+              <a:buNone/>
+            </a:pPr>
+            <a:endParaRPr dirty="0"/>
+          </a:p>
+          <a:p>
+            <a:pPr marL="0" lvl="0" indent="0">
+              <a:buNone/>
+            </a:pPr>
+            <a:r>
+              <a:rPr b="1" dirty="0" err="1">
+                <a:solidFill>
+                  <a:schemeClr val="tx2">
+                    <a:lumMod val="60000"/>
+                    <a:lumOff val="40000"/>
+                  </a:schemeClr>
+                </a:solidFill>
+              </a:rPr>
+              <a:t>eani</a:t>
+            </a:r>
+            <a:r>
+              <a:rPr b="1" dirty="0">
+                <a:solidFill>
+                  <a:schemeClr val="tx2">
+                    <a:lumMod val="60000"/>
+                    <a:lumOff val="40000"/>
+                  </a:schemeClr>
+                </a:solidFill>
+              </a:rPr>
+              <a:t>&lt;-</a:t>
+            </a:r>
+            <a:r>
+              <a:rPr b="1" dirty="0" err="1">
+                <a:solidFill>
+                  <a:schemeClr val="tx2">
+                    <a:lumMod val="60000"/>
+                    <a:lumOff val="40000"/>
+                  </a:schemeClr>
+                </a:solidFill>
+              </a:rPr>
+              <a:t>as.numeric</a:t>
+            </a:r>
+            <a:r>
+              <a:rPr b="1" dirty="0">
+                <a:solidFill>
+                  <a:schemeClr val="tx2">
+                    <a:lumMod val="60000"/>
+                    <a:lumOff val="40000"/>
+                  </a:schemeClr>
+                </a:solidFill>
+              </a:rPr>
+              <a:t>(</a:t>
+            </a:r>
+            <a:r>
+              <a:rPr b="1" dirty="0" err="1">
+                <a:solidFill>
+                  <a:schemeClr val="tx2">
+                    <a:lumMod val="60000"/>
+                    <a:lumOff val="40000"/>
+                  </a:schemeClr>
+                </a:solidFill>
+              </a:rPr>
+              <a:t>unlist</a:t>
+            </a:r>
+            <a:r>
+              <a:rPr b="1" dirty="0">
+                <a:solidFill>
+                  <a:schemeClr val="tx2">
+                    <a:lumMod val="60000"/>
+                    <a:lumOff val="40000"/>
+                  </a:schemeClr>
+                </a:solidFill>
+              </a:rPr>
+              <a:t>(</a:t>
+            </a:r>
+            <a:r>
+              <a:rPr b="1" dirty="0" err="1">
+                <a:solidFill>
+                  <a:schemeClr val="tx2">
+                    <a:lumMod val="60000"/>
+                    <a:lumOff val="40000"/>
+                  </a:schemeClr>
+                </a:solidFill>
+              </a:rPr>
+              <a:t>str_split</a:t>
+            </a:r>
+            <a:r>
+              <a:rPr b="1" dirty="0">
+                <a:solidFill>
+                  <a:schemeClr val="tx2">
+                    <a:lumMod val="60000"/>
+                    <a:lumOff val="40000"/>
+                  </a:schemeClr>
+                </a:solidFill>
+              </a:rPr>
+              <a:t>(x, ““)))</a:t>
             </a:r>
           </a:p>
         </p:txBody>
       </p:sp>
     </p:spTree>
   </p:cSld>
+  <p:clrMapOvr>
+    <a:masterClrMapping/>
+  </p:clrMapOvr>
 </p:sld>
 </file>
 
@@ -3373,13 +4318,46 @@
           <a:bodyPr/>
           <a:lstStyle/>
           <a:p>
-            <a:pPr lvl="0" indent="0" marL="0">
-              <a:buNone/>
-            </a:pPr>
-            <a:r>
-              <a:rPr/>
-              <a:t>Listos para codificar el algoritmo de validación</a:t>
-            </a:r>
+            <a:pPr marL="0" lvl="0" indent="0">
+              <a:buNone/>
+            </a:pPr>
+            <a:r>
+              <a:rPr dirty="0" err="1"/>
+              <a:t>Listos</a:t>
+            </a:r>
+            <a:r>
+              <a:rPr dirty="0"/>
+              <a:t> para </a:t>
+            </a:r>
+            <a:r>
+              <a:rPr dirty="0" err="1"/>
+              <a:t>codificar</a:t>
+            </a:r>
+            <a:r>
+              <a:rPr dirty="0"/>
+              <a:t> </a:t>
+            </a:r>
+            <a:r>
+              <a:rPr dirty="0" err="1"/>
+              <a:t>el</a:t>
+            </a:r>
+            <a:r>
+              <a:rPr dirty="0"/>
+              <a:t> </a:t>
+            </a:r>
+            <a:r>
+              <a:rPr dirty="0" err="1"/>
+              <a:t>algoritmo</a:t>
+            </a:r>
+            <a:r>
+              <a:rPr dirty="0"/>
+              <a:t> de </a:t>
+            </a:r>
+            <a:r>
+              <a:rPr dirty="0" err="1"/>
+              <a:t>validación</a:t>
+            </a:r>
+            <a:endParaRPr dirty="0"/>
           </a:p>
         </p:txBody>
       </p:sp>
@@ -3395,56 +4373,797 @@
         </p:nvSpPr>
         <p:spPr/>
         <p:txBody>
-          <a:bodyPr/>
+          <a:bodyPr>
+            <a:normAutofit fontScale="55000" lnSpcReduction="20000"/>
+          </a:bodyPr>
           <a:lstStyle/>
           <a:p>
-            <a:pPr lvl="0" indent="0" marL="0">
-              <a:buNone/>
-            </a:pPr>
-            <a:r>
-              <a:rPr/>
-              <a:t>Recorriendo el arreglo sin código de control (posición 13)</a:t>
-            </a:r>
-          </a:p>
-          <a:p>
-            <a:pPr lvl="0" indent="0" marL="0">
-              <a:buNone/>
-            </a:pPr>
-            <a:r>
-              <a:rPr/>
-              <a:t>for(i in 1:12) { if(i%%2) # sumar los números en posición impar {sumai&lt;-sumai+eani[i]} if((i%%2)==0) # sumar los números en posición par {sumap&lt;-sumap+eani[i]} }</a:t>
-            </a:r>
-          </a:p>
-          <a:p>
-            <a:pPr lvl="0" indent="0" marL="0">
-              <a:buNone/>
-            </a:pPr>
-            <a:r>
-              <a:rPr/>
-              <a:t>Retornando el código de control</a:t>
-            </a:r>
-          </a:p>
-          <a:p>
-            <a:pPr lvl="0" indent="0" marL="0">
-              <a:buNone/>
-            </a:pPr>
-            <a:r>
-              <a:rPr/>
-              <a:t>if ((sumai+sumap</a:t>
-            </a:r>
-            <a:r>
-              <a:rPr i="1"/>
-              <a:t>3)%%10==0) {cc&lt;-0} else {cc&lt;-10-(sumai+sumap</a:t>
-            </a:r>
-            <a:r>
-              <a:rPr/>
-              <a:t>3)%%10} return(cc)</a:t>
+            <a:pPr marL="0" lvl="0" indent="0">
+              <a:buNone/>
+            </a:pPr>
+            <a:r>
+              <a:rPr b="1" dirty="0" err="1"/>
+              <a:t>Recorriendo</a:t>
+            </a:r>
+            <a:r>
+              <a:rPr b="1" dirty="0"/>
+              <a:t> </a:t>
+            </a:r>
+            <a:r>
+              <a:rPr b="1" dirty="0" err="1"/>
+              <a:t>el</a:t>
+            </a:r>
+            <a:r>
+              <a:rPr b="1" dirty="0"/>
+              <a:t> </a:t>
+            </a:r>
+            <a:r>
+              <a:rPr b="1" dirty="0" err="1"/>
+              <a:t>arreglo</a:t>
+            </a:r>
+            <a:r>
+              <a:rPr b="1" dirty="0"/>
+              <a:t> sin </a:t>
+            </a:r>
+            <a:r>
+              <a:rPr b="1" dirty="0" err="1"/>
+              <a:t>código</a:t>
+            </a:r>
+            <a:r>
+              <a:rPr b="1" dirty="0"/>
+              <a:t> de control (</a:t>
+            </a:r>
+            <a:r>
+              <a:rPr b="1" dirty="0" err="1"/>
+              <a:t>posición</a:t>
+            </a:r>
+            <a:r>
+              <a:rPr b="1" dirty="0"/>
+              <a:t> 13)</a:t>
+            </a:r>
+          </a:p>
+          <a:p>
+            <a:pPr marL="0" lvl="0" indent="0">
+              <a:buNone/>
+            </a:pPr>
+            <a:r>
+              <a:rPr dirty="0">
+                <a:solidFill>
+                  <a:schemeClr val="tx2">
+                    <a:lumMod val="75000"/>
+                  </a:schemeClr>
+                </a:solidFill>
+              </a:rPr>
+              <a:t>for(</a:t>
+            </a:r>
+            <a:r>
+              <a:rPr dirty="0" err="1">
+                <a:solidFill>
+                  <a:schemeClr val="tx2">
+                    <a:lumMod val="75000"/>
+                  </a:schemeClr>
+                </a:solidFill>
+              </a:rPr>
+              <a:t>i</a:t>
+            </a:r>
+            <a:r>
+              <a:rPr dirty="0">
+                <a:solidFill>
+                  <a:schemeClr val="tx2">
+                    <a:lumMod val="75000"/>
+                  </a:schemeClr>
+                </a:solidFill>
+              </a:rPr>
+              <a:t> in 1:12) </a:t>
+            </a:r>
+            <a:endParaRPr lang="es-ES" dirty="0">
+              <a:solidFill>
+                <a:schemeClr val="tx2">
+                  <a:lumMod val="75000"/>
+                </a:schemeClr>
+              </a:solidFill>
+            </a:endParaRPr>
+          </a:p>
+          <a:p>
+            <a:pPr marL="0" lvl="0" indent="0">
+              <a:buNone/>
+            </a:pPr>
+            <a:r>
+              <a:rPr dirty="0">
+                <a:solidFill>
+                  <a:schemeClr val="tx2">
+                    <a:lumMod val="75000"/>
+                  </a:schemeClr>
+                </a:solidFill>
+              </a:rPr>
+              <a:t>{ </a:t>
+            </a:r>
+            <a:endParaRPr lang="es-ES" dirty="0">
+              <a:solidFill>
+                <a:schemeClr val="tx2">
+                  <a:lumMod val="75000"/>
+                </a:schemeClr>
+              </a:solidFill>
+            </a:endParaRPr>
+          </a:p>
+          <a:p>
+            <a:pPr marL="0" lvl="0" indent="0">
+              <a:buNone/>
+            </a:pPr>
+            <a:r>
+              <a:rPr dirty="0">
+                <a:solidFill>
+                  <a:schemeClr val="tx2">
+                    <a:lumMod val="75000"/>
+                  </a:schemeClr>
+                </a:solidFill>
+              </a:rPr>
+              <a:t>if(</a:t>
+            </a:r>
+            <a:r>
+              <a:rPr dirty="0" err="1">
+                <a:solidFill>
+                  <a:schemeClr val="tx2">
+                    <a:lumMod val="75000"/>
+                  </a:schemeClr>
+                </a:solidFill>
+              </a:rPr>
+              <a:t>i</a:t>
+            </a:r>
+            <a:r>
+              <a:rPr dirty="0">
+                <a:solidFill>
+                  <a:schemeClr val="tx2">
+                    <a:lumMod val="75000"/>
+                  </a:schemeClr>
+                </a:solidFill>
+              </a:rPr>
+              <a:t>%%2) # </a:t>
+            </a:r>
+            <a:r>
+              <a:rPr dirty="0" err="1">
+                <a:solidFill>
+                  <a:schemeClr val="tx2">
+                    <a:lumMod val="75000"/>
+                  </a:schemeClr>
+                </a:solidFill>
+              </a:rPr>
+              <a:t>sumar</a:t>
+            </a:r>
+            <a:r>
+              <a:rPr dirty="0">
+                <a:solidFill>
+                  <a:schemeClr val="tx2">
+                    <a:lumMod val="75000"/>
+                  </a:schemeClr>
+                </a:solidFill>
+              </a:rPr>
+              <a:t> </a:t>
+            </a:r>
+            <a:r>
+              <a:rPr dirty="0" err="1">
+                <a:solidFill>
+                  <a:schemeClr val="tx2">
+                    <a:lumMod val="75000"/>
+                  </a:schemeClr>
+                </a:solidFill>
+              </a:rPr>
+              <a:t>los</a:t>
+            </a:r>
+            <a:r>
+              <a:rPr dirty="0">
+                <a:solidFill>
+                  <a:schemeClr val="tx2">
+                    <a:lumMod val="75000"/>
+                  </a:schemeClr>
+                </a:solidFill>
+              </a:rPr>
+              <a:t> </a:t>
+            </a:r>
+            <a:r>
+              <a:rPr dirty="0" err="1">
+                <a:solidFill>
+                  <a:schemeClr val="tx2">
+                    <a:lumMod val="75000"/>
+                  </a:schemeClr>
+                </a:solidFill>
+              </a:rPr>
+              <a:t>números</a:t>
+            </a:r>
+            <a:r>
+              <a:rPr dirty="0">
+                <a:solidFill>
+                  <a:schemeClr val="tx2">
+                    <a:lumMod val="75000"/>
+                  </a:schemeClr>
+                </a:solidFill>
+              </a:rPr>
+              <a:t> </a:t>
+            </a:r>
+            <a:r>
+              <a:rPr dirty="0" err="1">
+                <a:solidFill>
+                  <a:schemeClr val="tx2">
+                    <a:lumMod val="75000"/>
+                  </a:schemeClr>
+                </a:solidFill>
+              </a:rPr>
+              <a:t>en</a:t>
+            </a:r>
+            <a:r>
+              <a:rPr dirty="0">
+                <a:solidFill>
+                  <a:schemeClr val="tx2">
+                    <a:lumMod val="75000"/>
+                  </a:schemeClr>
+                </a:solidFill>
+              </a:rPr>
+              <a:t> </a:t>
+            </a:r>
+            <a:r>
+              <a:rPr dirty="0" err="1">
+                <a:solidFill>
+                  <a:schemeClr val="tx2">
+                    <a:lumMod val="75000"/>
+                  </a:schemeClr>
+                </a:solidFill>
+              </a:rPr>
+              <a:t>posición</a:t>
+            </a:r>
+            <a:r>
+              <a:rPr dirty="0">
+                <a:solidFill>
+                  <a:schemeClr val="tx2">
+                    <a:lumMod val="75000"/>
+                  </a:schemeClr>
+                </a:solidFill>
+              </a:rPr>
+              <a:t> impar </a:t>
+            </a:r>
+            <a:endParaRPr lang="es-ES" dirty="0">
+              <a:solidFill>
+                <a:schemeClr val="tx2">
+                  <a:lumMod val="75000"/>
+                </a:schemeClr>
+              </a:solidFill>
+            </a:endParaRPr>
+          </a:p>
+          <a:p>
+            <a:pPr marL="0" lvl="0" indent="0">
+              <a:buNone/>
+            </a:pPr>
+            <a:r>
+              <a:rPr dirty="0">
+                <a:solidFill>
+                  <a:schemeClr val="tx2">
+                    <a:lumMod val="75000"/>
+                  </a:schemeClr>
+                </a:solidFill>
+              </a:rPr>
+              <a:t>{</a:t>
+            </a:r>
+            <a:r>
+              <a:rPr dirty="0" err="1">
+                <a:solidFill>
+                  <a:schemeClr val="tx2">
+                    <a:lumMod val="75000"/>
+                  </a:schemeClr>
+                </a:solidFill>
+              </a:rPr>
+              <a:t>sumai</a:t>
+            </a:r>
+            <a:r>
+              <a:rPr dirty="0">
+                <a:solidFill>
+                  <a:schemeClr val="tx2">
+                    <a:lumMod val="75000"/>
+                  </a:schemeClr>
+                </a:solidFill>
+              </a:rPr>
+              <a:t>&lt;-</a:t>
+            </a:r>
+            <a:r>
+              <a:rPr dirty="0" err="1">
+                <a:solidFill>
+                  <a:schemeClr val="tx2">
+                    <a:lumMod val="75000"/>
+                  </a:schemeClr>
+                </a:solidFill>
+              </a:rPr>
+              <a:t>sumai+eani</a:t>
+            </a:r>
+            <a:r>
+              <a:rPr dirty="0">
+                <a:solidFill>
+                  <a:schemeClr val="tx2">
+                    <a:lumMod val="75000"/>
+                  </a:schemeClr>
+                </a:solidFill>
+              </a:rPr>
+              <a:t>[</a:t>
+            </a:r>
+            <a:r>
+              <a:rPr dirty="0" err="1">
+                <a:solidFill>
+                  <a:schemeClr val="tx2">
+                    <a:lumMod val="75000"/>
+                  </a:schemeClr>
+                </a:solidFill>
+              </a:rPr>
+              <a:t>i</a:t>
+            </a:r>
+            <a:r>
+              <a:rPr dirty="0">
+                <a:solidFill>
+                  <a:schemeClr val="tx2">
+                    <a:lumMod val="75000"/>
+                  </a:schemeClr>
+                </a:solidFill>
+              </a:rPr>
+              <a:t>]} </a:t>
+            </a:r>
+            <a:endParaRPr lang="es-ES" dirty="0">
+              <a:solidFill>
+                <a:schemeClr val="tx2">
+                  <a:lumMod val="75000"/>
+                </a:schemeClr>
+              </a:solidFill>
+            </a:endParaRPr>
+          </a:p>
+          <a:p>
+            <a:pPr marL="0" lvl="0" indent="0">
+              <a:buNone/>
+            </a:pPr>
+            <a:r>
+              <a:rPr dirty="0">
+                <a:solidFill>
+                  <a:schemeClr val="tx2">
+                    <a:lumMod val="75000"/>
+                  </a:schemeClr>
+                </a:solidFill>
+              </a:rPr>
+              <a:t>if((</a:t>
+            </a:r>
+            <a:r>
+              <a:rPr dirty="0" err="1">
+                <a:solidFill>
+                  <a:schemeClr val="tx2">
+                    <a:lumMod val="75000"/>
+                  </a:schemeClr>
+                </a:solidFill>
+              </a:rPr>
+              <a:t>i</a:t>
+            </a:r>
+            <a:r>
+              <a:rPr dirty="0">
+                <a:solidFill>
+                  <a:schemeClr val="tx2">
+                    <a:lumMod val="75000"/>
+                  </a:schemeClr>
+                </a:solidFill>
+              </a:rPr>
+              <a:t>%%2)==0) # </a:t>
+            </a:r>
+            <a:r>
+              <a:rPr dirty="0" err="1">
+                <a:solidFill>
+                  <a:schemeClr val="tx2">
+                    <a:lumMod val="75000"/>
+                  </a:schemeClr>
+                </a:solidFill>
+              </a:rPr>
+              <a:t>sumar</a:t>
+            </a:r>
+            <a:r>
+              <a:rPr dirty="0">
+                <a:solidFill>
+                  <a:schemeClr val="tx2">
+                    <a:lumMod val="75000"/>
+                  </a:schemeClr>
+                </a:solidFill>
+              </a:rPr>
+              <a:t> </a:t>
+            </a:r>
+            <a:r>
+              <a:rPr dirty="0" err="1">
+                <a:solidFill>
+                  <a:schemeClr val="tx2">
+                    <a:lumMod val="75000"/>
+                  </a:schemeClr>
+                </a:solidFill>
+              </a:rPr>
+              <a:t>los</a:t>
+            </a:r>
+            <a:r>
+              <a:rPr dirty="0">
+                <a:solidFill>
+                  <a:schemeClr val="tx2">
+                    <a:lumMod val="75000"/>
+                  </a:schemeClr>
+                </a:solidFill>
+              </a:rPr>
+              <a:t> </a:t>
+            </a:r>
+            <a:r>
+              <a:rPr dirty="0" err="1">
+                <a:solidFill>
+                  <a:schemeClr val="tx2">
+                    <a:lumMod val="75000"/>
+                  </a:schemeClr>
+                </a:solidFill>
+              </a:rPr>
+              <a:t>números</a:t>
+            </a:r>
+            <a:r>
+              <a:rPr dirty="0">
+                <a:solidFill>
+                  <a:schemeClr val="tx2">
+                    <a:lumMod val="75000"/>
+                  </a:schemeClr>
+                </a:solidFill>
+              </a:rPr>
+              <a:t> </a:t>
+            </a:r>
+            <a:r>
+              <a:rPr dirty="0" err="1">
+                <a:solidFill>
+                  <a:schemeClr val="tx2">
+                    <a:lumMod val="75000"/>
+                  </a:schemeClr>
+                </a:solidFill>
+              </a:rPr>
+              <a:t>en</a:t>
+            </a:r>
+            <a:r>
+              <a:rPr dirty="0">
+                <a:solidFill>
+                  <a:schemeClr val="tx2">
+                    <a:lumMod val="75000"/>
+                  </a:schemeClr>
+                </a:solidFill>
+              </a:rPr>
+              <a:t> </a:t>
+            </a:r>
+            <a:r>
+              <a:rPr dirty="0" err="1">
+                <a:solidFill>
+                  <a:schemeClr val="tx2">
+                    <a:lumMod val="75000"/>
+                  </a:schemeClr>
+                </a:solidFill>
+              </a:rPr>
+              <a:t>posición</a:t>
+            </a:r>
+            <a:r>
+              <a:rPr dirty="0">
+                <a:solidFill>
+                  <a:schemeClr val="tx2">
+                    <a:lumMod val="75000"/>
+                  </a:schemeClr>
+                </a:solidFill>
+              </a:rPr>
+              <a:t> par </a:t>
+            </a:r>
+            <a:endParaRPr lang="es-ES" dirty="0">
+              <a:solidFill>
+                <a:schemeClr val="tx2">
+                  <a:lumMod val="75000"/>
+                </a:schemeClr>
+              </a:solidFill>
+            </a:endParaRPr>
+          </a:p>
+          <a:p>
+            <a:pPr marL="0" lvl="0" indent="0">
+              <a:buNone/>
+            </a:pPr>
+            <a:r>
+              <a:rPr dirty="0">
+                <a:solidFill>
+                  <a:schemeClr val="tx2">
+                    <a:lumMod val="75000"/>
+                  </a:schemeClr>
+                </a:solidFill>
+              </a:rPr>
+              <a:t>{</a:t>
+            </a:r>
+            <a:r>
+              <a:rPr dirty="0" err="1">
+                <a:solidFill>
+                  <a:schemeClr val="tx2">
+                    <a:lumMod val="75000"/>
+                  </a:schemeClr>
+                </a:solidFill>
+              </a:rPr>
+              <a:t>sumap</a:t>
+            </a:r>
+            <a:r>
+              <a:rPr dirty="0">
+                <a:solidFill>
+                  <a:schemeClr val="tx2">
+                    <a:lumMod val="75000"/>
+                  </a:schemeClr>
+                </a:solidFill>
+              </a:rPr>
+              <a:t>&lt;-</a:t>
+            </a:r>
+            <a:r>
+              <a:rPr dirty="0" err="1">
+                <a:solidFill>
+                  <a:schemeClr val="tx2">
+                    <a:lumMod val="75000"/>
+                  </a:schemeClr>
+                </a:solidFill>
+              </a:rPr>
+              <a:t>sumap+eani</a:t>
+            </a:r>
+            <a:r>
+              <a:rPr dirty="0">
+                <a:solidFill>
+                  <a:schemeClr val="tx2">
+                    <a:lumMod val="75000"/>
+                  </a:schemeClr>
+                </a:solidFill>
+              </a:rPr>
+              <a:t>[</a:t>
+            </a:r>
+            <a:r>
+              <a:rPr dirty="0" err="1">
+                <a:solidFill>
+                  <a:schemeClr val="tx2">
+                    <a:lumMod val="75000"/>
+                  </a:schemeClr>
+                </a:solidFill>
+              </a:rPr>
+              <a:t>i</a:t>
+            </a:r>
+            <a:r>
+              <a:rPr dirty="0">
+                <a:solidFill>
+                  <a:schemeClr val="tx2">
+                    <a:lumMod val="75000"/>
+                  </a:schemeClr>
+                </a:solidFill>
+              </a:rPr>
+              <a:t>]} </a:t>
+            </a:r>
+            <a:endParaRPr lang="es-ES" dirty="0">
+              <a:solidFill>
+                <a:schemeClr val="tx2">
+                  <a:lumMod val="75000"/>
+                </a:schemeClr>
+              </a:solidFill>
+            </a:endParaRPr>
+          </a:p>
+          <a:p>
+            <a:pPr marL="0" lvl="0" indent="0">
+              <a:buNone/>
+            </a:pPr>
+            <a:r>
+              <a:rPr dirty="0">
+                <a:solidFill>
+                  <a:schemeClr val="tx2">
+                    <a:lumMod val="75000"/>
+                  </a:schemeClr>
+                </a:solidFill>
+              </a:rPr>
+              <a:t>}</a:t>
+            </a:r>
+          </a:p>
+          <a:p>
+            <a:pPr marL="0" lvl="0" indent="0">
+              <a:buNone/>
+            </a:pPr>
+            <a:endParaRPr lang="es-ES" dirty="0"/>
+          </a:p>
+          <a:p>
+            <a:pPr marL="0" lvl="0" indent="0">
+              <a:buNone/>
+            </a:pPr>
+            <a:r>
+              <a:rPr b="1" dirty="0" err="1"/>
+              <a:t>Retornando</a:t>
+            </a:r>
+            <a:r>
+              <a:rPr b="1" dirty="0"/>
+              <a:t> </a:t>
+            </a:r>
+            <a:r>
+              <a:rPr b="1" dirty="0" err="1"/>
+              <a:t>el</a:t>
+            </a:r>
+            <a:r>
+              <a:rPr b="1" dirty="0"/>
+              <a:t> </a:t>
+            </a:r>
+            <a:r>
+              <a:rPr b="1" dirty="0" err="1"/>
+              <a:t>código</a:t>
+            </a:r>
+            <a:r>
+              <a:rPr b="1" dirty="0"/>
+              <a:t> de control</a:t>
+            </a:r>
+          </a:p>
+          <a:p>
+            <a:pPr marL="0" lvl="0" indent="0">
+              <a:buNone/>
+            </a:pPr>
+            <a:r>
+              <a:rPr dirty="0">
+                <a:solidFill>
+                  <a:schemeClr val="tx2">
+                    <a:lumMod val="75000"/>
+                  </a:schemeClr>
+                </a:solidFill>
+              </a:rPr>
+              <a:t>if ((</a:t>
+            </a:r>
+            <a:r>
+              <a:rPr dirty="0" err="1">
+                <a:solidFill>
+                  <a:schemeClr val="tx2">
+                    <a:lumMod val="75000"/>
+                  </a:schemeClr>
+                </a:solidFill>
+              </a:rPr>
+              <a:t>sumai+sumap</a:t>
+            </a:r>
+            <a:r>
+              <a:rPr lang="es-ES" dirty="0">
+                <a:solidFill>
+                  <a:schemeClr val="tx2">
+                    <a:lumMod val="75000"/>
+                  </a:schemeClr>
+                </a:solidFill>
+              </a:rPr>
+              <a:t>*</a:t>
+            </a:r>
+            <a:r>
+              <a:rPr i="1" dirty="0">
+                <a:solidFill>
+                  <a:schemeClr val="tx2">
+                    <a:lumMod val="75000"/>
+                  </a:schemeClr>
+                </a:solidFill>
+              </a:rPr>
+              <a:t>3)%%10==0) </a:t>
+            </a:r>
+            <a:endParaRPr lang="es-ES" i="1" dirty="0">
+              <a:solidFill>
+                <a:schemeClr val="tx2">
+                  <a:lumMod val="75000"/>
+                </a:schemeClr>
+              </a:solidFill>
+            </a:endParaRPr>
+          </a:p>
+          <a:p>
+            <a:pPr marL="0" lvl="0" indent="0">
+              <a:buNone/>
+            </a:pPr>
+            <a:r>
+              <a:rPr i="1" dirty="0">
+                <a:solidFill>
+                  <a:schemeClr val="tx2">
+                    <a:lumMod val="75000"/>
+                  </a:schemeClr>
+                </a:solidFill>
+              </a:rPr>
+              <a:t>{cc&lt;-0} </a:t>
+            </a:r>
+            <a:endParaRPr lang="es-ES" i="1" dirty="0">
+              <a:solidFill>
+                <a:schemeClr val="tx2">
+                  <a:lumMod val="75000"/>
+                </a:schemeClr>
+              </a:solidFill>
+            </a:endParaRPr>
+          </a:p>
+          <a:p>
+            <a:pPr marL="0" lvl="0" indent="0">
+              <a:buNone/>
+            </a:pPr>
+            <a:r>
+              <a:rPr i="1" dirty="0">
+                <a:solidFill>
+                  <a:schemeClr val="tx2">
+                    <a:lumMod val="75000"/>
+                  </a:schemeClr>
+                </a:solidFill>
+              </a:rPr>
+              <a:t>else </a:t>
+            </a:r>
+            <a:endParaRPr lang="es-ES" i="1" dirty="0">
+              <a:solidFill>
+                <a:schemeClr val="tx2">
+                  <a:lumMod val="75000"/>
+                </a:schemeClr>
+              </a:solidFill>
+            </a:endParaRPr>
+          </a:p>
+          <a:p>
+            <a:pPr marL="0" lvl="0" indent="0">
+              <a:buNone/>
+            </a:pPr>
+            <a:r>
+              <a:rPr i="1" dirty="0">
+                <a:solidFill>
+                  <a:schemeClr val="tx2">
+                    <a:lumMod val="75000"/>
+                  </a:schemeClr>
+                </a:solidFill>
+              </a:rPr>
+              <a:t>{cc&lt;-10-(</a:t>
+            </a:r>
+            <a:r>
+              <a:rPr i="1" dirty="0" err="1">
+                <a:solidFill>
+                  <a:schemeClr val="tx2">
+                    <a:lumMod val="75000"/>
+                  </a:schemeClr>
+                </a:solidFill>
+              </a:rPr>
+              <a:t>sumai+sumap</a:t>
+            </a:r>
+            <a:r>
+              <a:rPr lang="es-ES" i="1">
+                <a:solidFill>
+                  <a:schemeClr val="tx2">
+                    <a:lumMod val="75000"/>
+                  </a:schemeClr>
+                </a:solidFill>
+              </a:rPr>
+              <a:t>*</a:t>
+            </a:r>
+            <a:r>
+              <a:rPr>
+                <a:solidFill>
+                  <a:schemeClr val="tx2">
+                    <a:lumMod val="75000"/>
+                  </a:schemeClr>
+                </a:solidFill>
+              </a:rPr>
+              <a:t>3</a:t>
+            </a:r>
+            <a:r>
+              <a:rPr dirty="0">
+                <a:solidFill>
+                  <a:schemeClr val="tx2">
+                    <a:lumMod val="75000"/>
+                  </a:schemeClr>
+                </a:solidFill>
+              </a:rPr>
+              <a:t>)%%10} </a:t>
+            </a:r>
+            <a:endParaRPr lang="es-ES" dirty="0">
+              <a:solidFill>
+                <a:schemeClr val="tx2">
+                  <a:lumMod val="75000"/>
+                </a:schemeClr>
+              </a:solidFill>
+            </a:endParaRPr>
+          </a:p>
+          <a:p>
+            <a:pPr marL="0" lvl="0" indent="0">
+              <a:buNone/>
+            </a:pPr>
+            <a:r>
+              <a:rPr dirty="0">
+                <a:solidFill>
+                  <a:schemeClr val="tx2">
+                    <a:lumMod val="75000"/>
+                  </a:schemeClr>
+                </a:solidFill>
+              </a:rPr>
+              <a:t>return(cc)</a:t>
             </a:r>
           </a:p>
         </p:txBody>
       </p:sp>
     </p:spTree>
   </p:cSld>
+  <p:clrMapOvr>
+    <a:masterClrMapping/>
+  </p:clrMapOvr>
 </p:sld>
 </file>
 
@@ -3480,18 +5199,1713 @@
           <a:bodyPr/>
           <a:lstStyle/>
           <a:p>
-            <a:pPr lvl="0" indent="0" marL="0">
-              <a:buNone/>
-            </a:pPr>
-            <a:r>
-              <a:rPr/>
-              <a:t>El código final</a:t>
+            <a:pPr marL="0" lvl="0" indent="0">
+              <a:buNone/>
+            </a:pPr>
+            <a:r>
+              <a:rPr lang="es-ES" dirty="0"/>
+              <a:t>Código final</a:t>
+            </a:r>
+            <a:endParaRPr dirty="0"/>
+          </a:p>
+        </p:txBody>
+      </p:sp>
+      <p:sp>
+        <p:nvSpPr>
+          <p:cNvPr id="3" name="Content Placeholder 2"/>
+          <p:cNvSpPr>
+            <a:spLocks noGrp="1"/>
+          </p:cNvSpPr>
+          <p:nvPr>
+            <p:ph idx="1"/>
+          </p:nvPr>
+        </p:nvSpPr>
+        <p:spPr>
+          <a:xfrm>
+            <a:off x="1873624" y="896469"/>
+            <a:ext cx="6069106" cy="4264959"/>
+          </a:xfrm>
+        </p:spPr>
+        <p:txBody>
+          <a:bodyPr>
+            <a:normAutofit fontScale="55000" lnSpcReduction="20000"/>
+          </a:bodyPr>
+          <a:lstStyle/>
+          <a:p>
+            <a:pPr marL="0" lvl="0" indent="0">
+              <a:buNone/>
+            </a:pPr>
+            <a:r>
+              <a:rPr lang="es-CL" b="1" dirty="0" err="1">
+                <a:solidFill>
+                  <a:schemeClr val="tx2">
+                    <a:lumMod val="75000"/>
+                  </a:schemeClr>
+                </a:solidFill>
+              </a:rPr>
+              <a:t>ean</a:t>
+            </a:r>
+            <a:r>
+              <a:rPr lang="es-CL" b="1" dirty="0">
+                <a:solidFill>
+                  <a:schemeClr val="tx2">
+                    <a:lumMod val="75000"/>
+                  </a:schemeClr>
+                </a:solidFill>
+              </a:rPr>
+              <a:t>&lt;-</a:t>
+            </a:r>
+            <a:r>
+              <a:rPr lang="es-CL" b="1" dirty="0" err="1">
+                <a:solidFill>
+                  <a:schemeClr val="tx2">
+                    <a:lumMod val="75000"/>
+                  </a:schemeClr>
+                </a:solidFill>
+              </a:rPr>
+              <a:t>function</a:t>
+            </a:r>
+            <a:r>
+              <a:rPr lang="es-CL" b="1" dirty="0">
+                <a:solidFill>
+                  <a:schemeClr val="tx2">
+                    <a:lumMod val="75000"/>
+                  </a:schemeClr>
+                </a:solidFill>
+              </a:rPr>
+              <a:t>(x){</a:t>
+            </a:r>
+          </a:p>
+          <a:p>
+            <a:pPr marL="0" lvl="0" indent="0">
+              <a:buNone/>
+            </a:pPr>
+            <a:r>
+              <a:rPr lang="es-CL" b="1" dirty="0">
+                <a:solidFill>
+                  <a:schemeClr val="tx2">
+                    <a:lumMod val="75000"/>
+                  </a:schemeClr>
+                </a:solidFill>
+              </a:rPr>
+              <a:t>  </a:t>
+            </a:r>
+            <a:r>
+              <a:rPr lang="es-CL" b="1" dirty="0" err="1">
+                <a:solidFill>
+                  <a:schemeClr val="tx2">
+                    <a:lumMod val="75000"/>
+                  </a:schemeClr>
+                </a:solidFill>
+              </a:rPr>
+              <a:t>if</a:t>
+            </a:r>
+            <a:r>
+              <a:rPr lang="es-CL" b="1" dirty="0">
+                <a:solidFill>
+                  <a:schemeClr val="tx2">
+                    <a:lumMod val="75000"/>
+                  </a:schemeClr>
+                </a:solidFill>
+              </a:rPr>
+              <a:t> (!</a:t>
+            </a:r>
+            <a:r>
+              <a:rPr lang="es-CL" b="1" dirty="0" err="1">
+                <a:solidFill>
+                  <a:schemeClr val="tx2">
+                    <a:lumMod val="75000"/>
+                  </a:schemeClr>
+                </a:solidFill>
+              </a:rPr>
+              <a:t>is.character</a:t>
+            </a:r>
+            <a:r>
+              <a:rPr lang="es-CL" b="1" dirty="0">
+                <a:solidFill>
+                  <a:schemeClr val="tx2">
+                    <a:lumMod val="75000"/>
+                  </a:schemeClr>
+                </a:solidFill>
+              </a:rPr>
+              <a:t>(x)) {</a:t>
+            </a:r>
+          </a:p>
+          <a:p>
+            <a:pPr marL="0" lvl="0" indent="0">
+              <a:buNone/>
+            </a:pPr>
+            <a:r>
+              <a:rPr lang="es-CL" b="1" dirty="0">
+                <a:solidFill>
+                  <a:schemeClr val="tx2">
+                    <a:lumMod val="75000"/>
+                  </a:schemeClr>
+                </a:solidFill>
+              </a:rPr>
+              <a:t>    stop("La función </a:t>
+            </a:r>
+            <a:r>
+              <a:rPr lang="es-CL" b="1" dirty="0" err="1">
+                <a:solidFill>
+                  <a:schemeClr val="tx2">
+                    <a:lumMod val="75000"/>
+                  </a:schemeClr>
+                </a:solidFill>
+              </a:rPr>
+              <a:t>ean</a:t>
+            </a:r>
+            <a:r>
+              <a:rPr lang="es-CL" b="1" dirty="0">
+                <a:solidFill>
+                  <a:schemeClr val="tx2">
+                    <a:lumMod val="75000"/>
+                  </a:schemeClr>
+                </a:solidFill>
+              </a:rPr>
+              <a:t>() espera una cadena de caracteres </a:t>
+            </a:r>
+            <a:r>
+              <a:rPr lang="es-CL" b="1" dirty="0" err="1">
+                <a:solidFill>
+                  <a:schemeClr val="tx2">
+                    <a:lumMod val="75000"/>
+                  </a:schemeClr>
+                </a:solidFill>
+              </a:rPr>
+              <a:t>numericos</a:t>
+            </a:r>
+            <a:r>
+              <a:rPr lang="es-CL" b="1" dirty="0">
+                <a:solidFill>
+                  <a:schemeClr val="tx2">
+                    <a:lumMod val="75000"/>
+                  </a:schemeClr>
+                </a:solidFill>
+              </a:rPr>
+              <a:t>.")</a:t>
+            </a:r>
+          </a:p>
+          <a:p>
+            <a:pPr marL="0" lvl="0" indent="0">
+              <a:buNone/>
+            </a:pPr>
+            <a:r>
+              <a:rPr lang="es-CL" b="1" dirty="0">
+                <a:solidFill>
+                  <a:schemeClr val="tx2">
+                    <a:lumMod val="75000"/>
+                  </a:schemeClr>
+                </a:solidFill>
+              </a:rPr>
+              <a:t>  }</a:t>
+            </a:r>
+          </a:p>
+          <a:p>
+            <a:pPr marL="0" lvl="0" indent="0">
+              <a:buNone/>
+            </a:pPr>
+            <a:r>
+              <a:rPr lang="es-CL" b="1" dirty="0">
+                <a:solidFill>
+                  <a:schemeClr val="tx2">
+                    <a:lumMod val="75000"/>
+                  </a:schemeClr>
+                </a:solidFill>
+              </a:rPr>
+              <a:t>  #variables locales</a:t>
+            </a:r>
+          </a:p>
+          <a:p>
+            <a:pPr marL="0" lvl="0" indent="0">
+              <a:buNone/>
+            </a:pPr>
+            <a:r>
+              <a:rPr lang="es-CL" b="1" dirty="0">
+                <a:solidFill>
+                  <a:schemeClr val="tx2">
+                    <a:lumMod val="75000"/>
+                  </a:schemeClr>
+                </a:solidFill>
+              </a:rPr>
+              <a:t>  </a:t>
+            </a:r>
+            <a:r>
+              <a:rPr lang="es-CL" b="1" dirty="0" err="1">
+                <a:solidFill>
+                  <a:schemeClr val="tx2">
+                    <a:lumMod val="75000"/>
+                  </a:schemeClr>
+                </a:solidFill>
+              </a:rPr>
+              <a:t>sumai</a:t>
+            </a:r>
+            <a:r>
+              <a:rPr lang="es-CL" b="1" dirty="0">
+                <a:solidFill>
+                  <a:schemeClr val="tx2">
+                    <a:lumMod val="75000"/>
+                  </a:schemeClr>
+                </a:solidFill>
+              </a:rPr>
+              <a:t>&lt;-0</a:t>
+            </a:r>
+          </a:p>
+          <a:p>
+            <a:pPr marL="0" lvl="0" indent="0">
+              <a:buNone/>
+            </a:pPr>
+            <a:r>
+              <a:rPr lang="es-CL" b="1" dirty="0">
+                <a:solidFill>
+                  <a:schemeClr val="tx2">
+                    <a:lumMod val="75000"/>
+                  </a:schemeClr>
+                </a:solidFill>
+              </a:rPr>
+              <a:t>  </a:t>
+            </a:r>
+            <a:r>
+              <a:rPr lang="es-CL" b="1" dirty="0" err="1">
+                <a:solidFill>
+                  <a:schemeClr val="tx2">
+                    <a:lumMod val="75000"/>
+                  </a:schemeClr>
+                </a:solidFill>
+              </a:rPr>
+              <a:t>sumap</a:t>
+            </a:r>
+            <a:r>
+              <a:rPr lang="es-CL" b="1" dirty="0">
+                <a:solidFill>
+                  <a:schemeClr val="tx2">
+                    <a:lumMod val="75000"/>
+                  </a:schemeClr>
+                </a:solidFill>
+              </a:rPr>
+              <a:t>&lt;-0</a:t>
+            </a:r>
+          </a:p>
+          <a:p>
+            <a:pPr marL="0" lvl="0" indent="0">
+              <a:buNone/>
+            </a:pPr>
+            <a:r>
+              <a:rPr lang="es-CL" b="1" dirty="0">
+                <a:solidFill>
+                  <a:schemeClr val="tx2">
+                    <a:lumMod val="75000"/>
+                  </a:schemeClr>
+                </a:solidFill>
+              </a:rPr>
+              <a:t>  #convirtiendo la lista de caracteres en arreglo numérico </a:t>
+            </a:r>
+          </a:p>
+          <a:p>
+            <a:pPr marL="0" lvl="0" indent="0">
+              <a:buNone/>
+            </a:pPr>
+            <a:r>
+              <a:rPr lang="es-CL" b="1" dirty="0">
+                <a:solidFill>
+                  <a:schemeClr val="tx2">
+                    <a:lumMod val="75000"/>
+                  </a:schemeClr>
+                </a:solidFill>
+              </a:rPr>
+              <a:t>  </a:t>
+            </a:r>
+            <a:r>
+              <a:rPr lang="es-CL" b="1" dirty="0" err="1">
+                <a:solidFill>
+                  <a:schemeClr val="tx2">
+                    <a:lumMod val="75000"/>
+                  </a:schemeClr>
+                </a:solidFill>
+              </a:rPr>
+              <a:t>eani</a:t>
+            </a:r>
+            <a:r>
+              <a:rPr lang="es-CL" b="1" dirty="0">
+                <a:solidFill>
+                  <a:schemeClr val="tx2">
+                    <a:lumMod val="75000"/>
+                  </a:schemeClr>
+                </a:solidFill>
+              </a:rPr>
+              <a:t>&lt;-</a:t>
+            </a:r>
+            <a:r>
+              <a:rPr lang="es-CL" b="1" dirty="0" err="1">
+                <a:solidFill>
+                  <a:schemeClr val="tx2">
+                    <a:lumMod val="75000"/>
+                  </a:schemeClr>
+                </a:solidFill>
+              </a:rPr>
+              <a:t>as.numeric</a:t>
+            </a:r>
+            <a:r>
+              <a:rPr lang="es-CL" b="1" dirty="0">
+                <a:solidFill>
+                  <a:schemeClr val="tx2">
+                    <a:lumMod val="75000"/>
+                  </a:schemeClr>
+                </a:solidFill>
+              </a:rPr>
+              <a:t>(</a:t>
+            </a:r>
+            <a:r>
+              <a:rPr lang="es-CL" b="1" dirty="0" err="1">
+                <a:solidFill>
+                  <a:schemeClr val="tx2">
+                    <a:lumMod val="75000"/>
+                  </a:schemeClr>
+                </a:solidFill>
+              </a:rPr>
+              <a:t>unlist</a:t>
+            </a:r>
+            <a:r>
+              <a:rPr lang="es-CL" b="1" dirty="0">
+                <a:solidFill>
+                  <a:schemeClr val="tx2">
+                    <a:lumMod val="75000"/>
+                  </a:schemeClr>
+                </a:solidFill>
+              </a:rPr>
+              <a:t>(</a:t>
+            </a:r>
+            <a:r>
+              <a:rPr lang="es-CL" b="1" dirty="0" err="1">
+                <a:solidFill>
+                  <a:schemeClr val="tx2">
+                    <a:lumMod val="75000"/>
+                  </a:schemeClr>
+                </a:solidFill>
+              </a:rPr>
+              <a:t>str_split</a:t>
+            </a:r>
+            <a:r>
+              <a:rPr lang="es-CL" b="1" dirty="0">
+                <a:solidFill>
+                  <a:schemeClr val="tx2">
+                    <a:lumMod val="75000"/>
+                  </a:schemeClr>
+                </a:solidFill>
+              </a:rPr>
+              <a:t>(x, "")))</a:t>
+            </a:r>
+          </a:p>
+          <a:p>
+            <a:pPr marL="0" lvl="0" indent="0">
+              <a:buNone/>
+            </a:pPr>
+            <a:r>
+              <a:rPr lang="es-CL" b="1" dirty="0">
+                <a:solidFill>
+                  <a:schemeClr val="tx2">
+                    <a:lumMod val="75000"/>
+                  </a:schemeClr>
+                </a:solidFill>
+              </a:rPr>
+              <a:t>  #recorriendo el arreglo sin código de control (posición 13)</a:t>
+            </a:r>
+          </a:p>
+          <a:p>
+            <a:pPr marL="0" lvl="0" indent="0">
+              <a:buNone/>
+            </a:pPr>
+            <a:r>
+              <a:rPr lang="es-CL" b="1" dirty="0">
+                <a:solidFill>
+                  <a:schemeClr val="tx2">
+                    <a:lumMod val="75000"/>
+                  </a:schemeClr>
+                </a:solidFill>
+              </a:rPr>
+              <a:t>  </a:t>
+            </a:r>
+            <a:r>
+              <a:rPr lang="es-CL" b="1" dirty="0" err="1">
+                <a:solidFill>
+                  <a:schemeClr val="tx2">
+                    <a:lumMod val="75000"/>
+                  </a:schemeClr>
+                </a:solidFill>
+              </a:rPr>
+              <a:t>for</a:t>
+            </a:r>
+            <a:r>
+              <a:rPr lang="es-CL" b="1" dirty="0">
+                <a:solidFill>
+                  <a:schemeClr val="tx2">
+                    <a:lumMod val="75000"/>
+                  </a:schemeClr>
+                </a:solidFill>
+              </a:rPr>
+              <a:t>(i in 1:12)</a:t>
+            </a:r>
+          </a:p>
+          <a:p>
+            <a:pPr marL="0" lvl="0" indent="0">
+              <a:buNone/>
+            </a:pPr>
+            <a:r>
+              <a:rPr lang="es-CL" b="1" dirty="0">
+                <a:solidFill>
+                  <a:schemeClr val="tx2">
+                    <a:lumMod val="75000"/>
+                  </a:schemeClr>
+                </a:solidFill>
+              </a:rPr>
+              <a:t>  {</a:t>
+            </a:r>
+          </a:p>
+          <a:p>
+            <a:pPr marL="0" lvl="0" indent="0">
+              <a:buNone/>
+            </a:pPr>
+            <a:r>
+              <a:rPr lang="es-CL" b="1" dirty="0">
+                <a:solidFill>
+                  <a:schemeClr val="tx2">
+                    <a:lumMod val="75000"/>
+                  </a:schemeClr>
+                </a:solidFill>
+              </a:rPr>
+              <a:t>    </a:t>
+            </a:r>
+            <a:r>
+              <a:rPr lang="es-CL" b="1" dirty="0" err="1">
+                <a:solidFill>
+                  <a:schemeClr val="tx2">
+                    <a:lumMod val="75000"/>
+                  </a:schemeClr>
+                </a:solidFill>
+              </a:rPr>
+              <a:t>if</a:t>
+            </a:r>
+            <a:r>
+              <a:rPr lang="es-CL" b="1" dirty="0">
+                <a:solidFill>
+                  <a:schemeClr val="tx2">
+                    <a:lumMod val="75000"/>
+                  </a:schemeClr>
+                </a:solidFill>
+              </a:rPr>
+              <a:t>(i%%2) # sumar los números en posición impar</a:t>
+            </a:r>
+          </a:p>
+          <a:p>
+            <a:pPr marL="0" lvl="0" indent="0">
+              <a:buNone/>
+            </a:pPr>
+            <a:r>
+              <a:rPr lang="es-CL" b="1" dirty="0">
+                <a:solidFill>
+                  <a:schemeClr val="tx2">
+                    <a:lumMod val="75000"/>
+                  </a:schemeClr>
+                </a:solidFill>
+              </a:rPr>
+              <a:t>    {</a:t>
+            </a:r>
+            <a:r>
+              <a:rPr lang="es-CL" b="1" dirty="0" err="1">
+                <a:solidFill>
+                  <a:schemeClr val="tx2">
+                    <a:lumMod val="75000"/>
+                  </a:schemeClr>
+                </a:solidFill>
+              </a:rPr>
+              <a:t>sumai</a:t>
+            </a:r>
+            <a:r>
+              <a:rPr lang="es-CL" b="1" dirty="0">
+                <a:solidFill>
+                  <a:schemeClr val="tx2">
+                    <a:lumMod val="75000"/>
+                  </a:schemeClr>
+                </a:solidFill>
+              </a:rPr>
+              <a:t>&lt;-</a:t>
+            </a:r>
+            <a:r>
+              <a:rPr lang="es-CL" b="1" dirty="0" err="1">
+                <a:solidFill>
+                  <a:schemeClr val="tx2">
+                    <a:lumMod val="75000"/>
+                  </a:schemeClr>
+                </a:solidFill>
+              </a:rPr>
+              <a:t>sumai+eani</a:t>
+            </a:r>
+            <a:r>
+              <a:rPr lang="es-CL" b="1" dirty="0">
+                <a:solidFill>
+                  <a:schemeClr val="tx2">
+                    <a:lumMod val="75000"/>
+                  </a:schemeClr>
+                </a:solidFill>
+              </a:rPr>
+              <a:t>[i]}</a:t>
+            </a:r>
+          </a:p>
+          <a:p>
+            <a:pPr marL="0" lvl="0" indent="0">
+              <a:buNone/>
+            </a:pPr>
+            <a:r>
+              <a:rPr lang="es-CL" b="1" dirty="0">
+                <a:solidFill>
+                  <a:schemeClr val="tx2">
+                    <a:lumMod val="75000"/>
+                  </a:schemeClr>
+                </a:solidFill>
+              </a:rPr>
+              <a:t>    </a:t>
+            </a:r>
+            <a:r>
+              <a:rPr lang="es-CL" b="1" dirty="0" err="1">
+                <a:solidFill>
+                  <a:schemeClr val="tx2">
+                    <a:lumMod val="75000"/>
+                  </a:schemeClr>
+                </a:solidFill>
+              </a:rPr>
+              <a:t>if</a:t>
+            </a:r>
+            <a:r>
+              <a:rPr lang="es-CL" b="1" dirty="0">
+                <a:solidFill>
+                  <a:schemeClr val="tx2">
+                    <a:lumMod val="75000"/>
+                  </a:schemeClr>
+                </a:solidFill>
+              </a:rPr>
+              <a:t>((i%%2)==0) # sumar los números en posición par</a:t>
+            </a:r>
+          </a:p>
+          <a:p>
+            <a:pPr marL="0" lvl="0" indent="0">
+              <a:buNone/>
+            </a:pPr>
+            <a:r>
+              <a:rPr lang="es-CL" b="1" dirty="0">
+                <a:solidFill>
+                  <a:schemeClr val="tx2">
+                    <a:lumMod val="75000"/>
+                  </a:schemeClr>
+                </a:solidFill>
+              </a:rPr>
+              <a:t>    {</a:t>
+            </a:r>
+            <a:r>
+              <a:rPr lang="es-CL" b="1" dirty="0" err="1">
+                <a:solidFill>
+                  <a:schemeClr val="tx2">
+                    <a:lumMod val="75000"/>
+                  </a:schemeClr>
+                </a:solidFill>
+              </a:rPr>
+              <a:t>sumap</a:t>
+            </a:r>
+            <a:r>
+              <a:rPr lang="es-CL" b="1" dirty="0">
+                <a:solidFill>
+                  <a:schemeClr val="tx2">
+                    <a:lumMod val="75000"/>
+                  </a:schemeClr>
+                </a:solidFill>
+              </a:rPr>
+              <a:t>&lt;-</a:t>
+            </a:r>
+            <a:r>
+              <a:rPr lang="es-CL" b="1" dirty="0" err="1">
+                <a:solidFill>
+                  <a:schemeClr val="tx2">
+                    <a:lumMod val="75000"/>
+                  </a:schemeClr>
+                </a:solidFill>
+              </a:rPr>
+              <a:t>sumap+eani</a:t>
+            </a:r>
+            <a:r>
+              <a:rPr lang="es-CL" b="1" dirty="0">
+                <a:solidFill>
+                  <a:schemeClr val="tx2">
+                    <a:lumMod val="75000"/>
+                  </a:schemeClr>
+                </a:solidFill>
+              </a:rPr>
+              <a:t>[i]} </a:t>
+            </a:r>
+          </a:p>
+          <a:p>
+            <a:pPr marL="0" lvl="0" indent="0">
+              <a:buNone/>
+            </a:pPr>
+            <a:r>
+              <a:rPr lang="es-CL" b="1" dirty="0">
+                <a:solidFill>
+                  <a:schemeClr val="tx2">
+                    <a:lumMod val="75000"/>
+                  </a:schemeClr>
+                </a:solidFill>
+              </a:rPr>
+              <a:t>  }</a:t>
+            </a:r>
+          </a:p>
+          <a:p>
+            <a:pPr marL="0" lvl="0" indent="0">
+              <a:buNone/>
+            </a:pPr>
+            <a:r>
+              <a:rPr lang="es-CL" b="1" dirty="0">
+                <a:solidFill>
+                  <a:schemeClr val="tx2">
+                    <a:lumMod val="75000"/>
+                  </a:schemeClr>
+                </a:solidFill>
+              </a:rPr>
+              <a:t>  # retornando el código de control</a:t>
+            </a:r>
+          </a:p>
+          <a:p>
+            <a:pPr marL="0" lvl="0" indent="0">
+              <a:buNone/>
+            </a:pPr>
+            <a:r>
+              <a:rPr lang="es-CL" b="1" dirty="0">
+                <a:solidFill>
+                  <a:schemeClr val="tx2">
+                    <a:lumMod val="75000"/>
+                  </a:schemeClr>
+                </a:solidFill>
+              </a:rPr>
+              <a:t>  </a:t>
+            </a:r>
+            <a:r>
+              <a:rPr lang="es-CL" b="1" dirty="0" err="1">
+                <a:solidFill>
+                  <a:schemeClr val="tx2">
+                    <a:lumMod val="75000"/>
+                  </a:schemeClr>
+                </a:solidFill>
+              </a:rPr>
+              <a:t>if</a:t>
+            </a:r>
+            <a:r>
+              <a:rPr lang="es-CL" b="1" dirty="0">
+                <a:solidFill>
+                  <a:schemeClr val="tx2">
+                    <a:lumMod val="75000"/>
+                  </a:schemeClr>
+                </a:solidFill>
+              </a:rPr>
+              <a:t> ((</a:t>
+            </a:r>
+            <a:r>
+              <a:rPr lang="es-CL" b="1" dirty="0" err="1">
+                <a:solidFill>
+                  <a:schemeClr val="tx2">
+                    <a:lumMod val="75000"/>
+                  </a:schemeClr>
+                </a:solidFill>
+              </a:rPr>
+              <a:t>sumai+sumap</a:t>
+            </a:r>
+            <a:r>
+              <a:rPr lang="es-CL" b="1" dirty="0">
+                <a:solidFill>
+                  <a:schemeClr val="tx2">
+                    <a:lumMod val="75000"/>
+                  </a:schemeClr>
+                </a:solidFill>
+              </a:rPr>
+              <a:t>*3)%%10==0) {</a:t>
+            </a:r>
+            <a:r>
+              <a:rPr lang="es-CL" b="1" dirty="0" err="1">
+                <a:solidFill>
+                  <a:schemeClr val="tx2">
+                    <a:lumMod val="75000"/>
+                  </a:schemeClr>
+                </a:solidFill>
+              </a:rPr>
+              <a:t>cc</a:t>
+            </a:r>
+            <a:r>
+              <a:rPr lang="es-CL" b="1" dirty="0">
+                <a:solidFill>
+                  <a:schemeClr val="tx2">
+                    <a:lumMod val="75000"/>
+                  </a:schemeClr>
+                </a:solidFill>
+              </a:rPr>
+              <a:t>&lt;-0} </a:t>
+            </a:r>
+            <a:r>
+              <a:rPr lang="es-CL" b="1" dirty="0" err="1">
+                <a:solidFill>
+                  <a:schemeClr val="tx2">
+                    <a:lumMod val="75000"/>
+                  </a:schemeClr>
+                </a:solidFill>
+              </a:rPr>
+              <a:t>else</a:t>
+            </a:r>
+            <a:r>
+              <a:rPr lang="es-CL" b="1" dirty="0">
+                <a:solidFill>
+                  <a:schemeClr val="tx2">
+                    <a:lumMod val="75000"/>
+                  </a:schemeClr>
+                </a:solidFill>
+              </a:rPr>
+              <a:t> {</a:t>
+            </a:r>
+            <a:r>
+              <a:rPr lang="es-CL" b="1" dirty="0" err="1">
+                <a:solidFill>
+                  <a:schemeClr val="tx2">
+                    <a:lumMod val="75000"/>
+                  </a:schemeClr>
+                </a:solidFill>
+              </a:rPr>
+              <a:t>cc</a:t>
+            </a:r>
+            <a:r>
+              <a:rPr lang="es-CL" b="1" dirty="0">
+                <a:solidFill>
+                  <a:schemeClr val="tx2">
+                    <a:lumMod val="75000"/>
+                  </a:schemeClr>
+                </a:solidFill>
+              </a:rPr>
+              <a:t>&lt;-10-(</a:t>
+            </a:r>
+            <a:r>
+              <a:rPr lang="es-CL" b="1" dirty="0" err="1">
+                <a:solidFill>
+                  <a:schemeClr val="tx2">
+                    <a:lumMod val="75000"/>
+                  </a:schemeClr>
+                </a:solidFill>
+              </a:rPr>
+              <a:t>sumai+sumap</a:t>
+            </a:r>
+            <a:r>
+              <a:rPr lang="es-CL" b="1" dirty="0">
+                <a:solidFill>
+                  <a:schemeClr val="tx2">
+                    <a:lumMod val="75000"/>
+                  </a:schemeClr>
+                </a:solidFill>
+              </a:rPr>
+              <a:t>*3)%%10} </a:t>
+            </a:r>
+          </a:p>
+          <a:p>
+            <a:pPr marL="0" lvl="0" indent="0">
+              <a:buNone/>
+            </a:pPr>
+            <a:r>
+              <a:rPr lang="es-CL" b="1" dirty="0">
+                <a:solidFill>
+                  <a:schemeClr val="tx2">
+                    <a:lumMod val="75000"/>
+                  </a:schemeClr>
+                </a:solidFill>
+              </a:rPr>
+              <a:t>  </a:t>
+            </a:r>
+            <a:r>
+              <a:rPr lang="es-CL" b="1" dirty="0" err="1">
+                <a:solidFill>
+                  <a:schemeClr val="tx2">
+                    <a:lumMod val="75000"/>
+                  </a:schemeClr>
+                </a:solidFill>
+              </a:rPr>
+              <a:t>return</a:t>
+            </a:r>
+            <a:r>
+              <a:rPr lang="es-CL" b="1" dirty="0">
+                <a:solidFill>
+                  <a:schemeClr val="tx2">
+                    <a:lumMod val="75000"/>
+                  </a:schemeClr>
+                </a:solidFill>
+              </a:rPr>
+              <a:t>(</a:t>
+            </a:r>
+            <a:r>
+              <a:rPr lang="es-CL" b="1" dirty="0" err="1">
+                <a:solidFill>
+                  <a:schemeClr val="tx2">
+                    <a:lumMod val="75000"/>
+                  </a:schemeClr>
+                </a:solidFill>
+              </a:rPr>
+              <a:t>cc</a:t>
+            </a:r>
+            <a:r>
+              <a:rPr lang="es-CL" b="1" dirty="0">
+                <a:solidFill>
+                  <a:schemeClr val="tx2">
+                    <a:lumMod val="75000"/>
+                  </a:schemeClr>
+                </a:solidFill>
+              </a:rPr>
+              <a:t>)</a:t>
+            </a:r>
+          </a:p>
+          <a:p>
+            <a:pPr marL="0" lvl="0" indent="0">
+              <a:buNone/>
+            </a:pPr>
+            <a:r>
+              <a:rPr lang="es-CL" b="1" dirty="0">
+                <a:solidFill>
+                  <a:schemeClr val="tx2">
+                    <a:lumMod val="75000"/>
+                  </a:schemeClr>
+                </a:solidFill>
+              </a:rPr>
+              <a:t>}</a:t>
+            </a:r>
+          </a:p>
+        </p:txBody>
+      </p:sp>
+    </p:spTree>
+    <p:extLst>
+      <p:ext uri="{BB962C8B-B14F-4D97-AF65-F5344CB8AC3E}">
+        <p14:creationId xmlns:p14="http://schemas.microsoft.com/office/powerpoint/2010/main" val="3580146716"/>
+      </p:ext>
+    </p:extLst>
+  </p:cSld>
+  <p:clrMapOvr>
+    <a:masterClrMapping/>
+  </p:clrMapOvr>
+</p:sld>
+</file>
+
+<file path=ppt/slides/slide6.xml><?xml version="1.0" encoding="utf-8"?>
+<p:sld xmlns:a="http://schemas.openxmlformats.org/drawingml/2006/main" xmlns:r="http://schemas.openxmlformats.org/officeDocument/2006/relationships" xmlns:p="http://schemas.openxmlformats.org/presentationml/2006/main">
+  <p:cSld>
+    <p:spTree>
+      <p:nvGrpSpPr>
+        <p:cNvPr id="1" name=""/>
+        <p:cNvGrpSpPr/>
+        <p:nvPr/>
+      </p:nvGrpSpPr>
+      <p:grpSpPr>
+        <a:xfrm>
+          <a:off x="0" y="0"/>
+          <a:ext cx="0" cy="0"/>
+          <a:chOff x="0" y="0"/>
+          <a:chExt cx="0" cy="0"/>
+        </a:xfrm>
+      </p:grpSpPr>
+      <p:sp>
+        <p:nvSpPr>
+          <p:cNvPr id="2" name="Title 1"/>
+          <p:cNvSpPr>
+            <a:spLocks noGrp="1"/>
+          </p:cNvSpPr>
+          <p:nvPr>
+            <p:ph type="ctrTitle"/>
+          </p:nvPr>
+        </p:nvSpPr>
+        <p:spPr>
+          <a:xfrm>
+            <a:off x="685800" y="1597819"/>
+            <a:ext cx="7772400" cy="1102519"/>
+          </a:xfrm>
+        </p:spPr>
+        <p:txBody>
+          <a:bodyPr/>
+          <a:lstStyle/>
+          <a:p>
+            <a:pPr marL="0" lvl="0" indent="0">
+              <a:buNone/>
+            </a:pPr>
+            <a:r>
+              <a:t>Códificando buenas prácticas</a:t>
+            </a:r>
+          </a:p>
+        </p:txBody>
+      </p:sp>
+      <p:sp>
+        <p:nvSpPr>
+          <p:cNvPr id="3" name="Subtitle 2"/>
+          <p:cNvSpPr>
+            <a:spLocks noGrp="1"/>
+          </p:cNvSpPr>
+          <p:nvPr>
+            <p:ph type="subTitle" idx="1"/>
+          </p:nvPr>
+        </p:nvSpPr>
+        <p:spPr>
+          <a:xfrm>
+            <a:off x="1371600" y="2914650"/>
+            <a:ext cx="6400800" cy="1314450"/>
+          </a:xfrm>
+        </p:spPr>
+        <p:txBody>
+          <a:bodyPr/>
+          <a:lstStyle/>
+          <a:p>
+            <a:pPr marL="0" lvl="0" indent="0">
+              <a:buNone/>
+            </a:pPr>
+            <a:br/>
+            <a:br/>
+            <a:r>
+              <a:t>Guillermo Durán González</a:t>
             </a:r>
           </a:p>
         </p:txBody>
       </p:sp>
     </p:spTree>
   </p:cSld>
+  <p:clrMapOvr>
+    <a:masterClrMapping/>
+  </p:clrMapOvr>
+</p:sld>
+</file>
+
+<file path=ppt/slides/slide7.xml><?xml version="1.0" encoding="utf-8"?>
+<p:sld xmlns:a="http://schemas.openxmlformats.org/drawingml/2006/main" xmlns:r="http://schemas.openxmlformats.org/officeDocument/2006/relationships" xmlns:p="http://schemas.openxmlformats.org/presentationml/2006/main">
+  <p:cSld>
+    <p:spTree>
+      <p:nvGrpSpPr>
+        <p:cNvPr id="1" name=""/>
+        <p:cNvGrpSpPr/>
+        <p:nvPr/>
+      </p:nvGrpSpPr>
+      <p:grpSpPr>
+        <a:xfrm>
+          <a:off x="0" y="0"/>
+          <a:ext cx="0" cy="0"/>
+          <a:chOff x="0" y="0"/>
+          <a:chExt cx="0" cy="0"/>
+        </a:xfrm>
+      </p:grpSpPr>
+      <p:sp>
+        <p:nvSpPr>
+          <p:cNvPr id="2" name="Title 1"/>
+          <p:cNvSpPr>
+            <a:spLocks noGrp="1"/>
+          </p:cNvSpPr>
+          <p:nvPr>
+            <p:ph type="title"/>
+          </p:nvPr>
+        </p:nvSpPr>
+        <p:spPr/>
+        <p:txBody>
+          <a:bodyPr>
+            <a:normAutofit fontScale="90000"/>
+          </a:bodyPr>
+          <a:lstStyle/>
+          <a:p>
+            <a:pPr marL="0" lvl="0" indent="0">
+              <a:buNone/>
+            </a:pPr>
+            <a:r>
+              <a:t>Confirma que esten disponibles los paquetes a usar</a:t>
+            </a:r>
+          </a:p>
+        </p:txBody>
+      </p:sp>
+      <p:sp>
+        <p:nvSpPr>
+          <p:cNvPr id="3" name="Content Placeholder 2"/>
+          <p:cNvSpPr>
+            <a:spLocks noGrp="1"/>
+          </p:cNvSpPr>
+          <p:nvPr>
+            <p:ph idx="1"/>
+          </p:nvPr>
+        </p:nvSpPr>
+        <p:spPr/>
+        <p:txBody>
+          <a:bodyPr/>
+          <a:lstStyle/>
+          <a:p>
+            <a:pPr marL="0" lvl="0" indent="0">
+              <a:buNone/>
+            </a:pPr>
+            <a:endParaRPr lang="es-ES" dirty="0"/>
+          </a:p>
+          <a:p>
+            <a:pPr marL="0" lvl="0" indent="0">
+              <a:buNone/>
+            </a:pPr>
+            <a:r>
+              <a:rPr dirty="0">
+                <a:solidFill>
+                  <a:schemeClr val="tx2">
+                    <a:lumMod val="75000"/>
+                  </a:schemeClr>
+                </a:solidFill>
+              </a:rPr>
+              <a:t>if(!require(</a:t>
+            </a:r>
+            <a:r>
+              <a:rPr dirty="0" err="1">
+                <a:solidFill>
+                  <a:schemeClr val="tx2">
+                    <a:lumMod val="75000"/>
+                  </a:schemeClr>
+                </a:solidFill>
+              </a:rPr>
+              <a:t>stringr</a:t>
+            </a:r>
+            <a:r>
+              <a:rPr dirty="0">
+                <a:solidFill>
+                  <a:schemeClr val="tx2">
+                    <a:lumMod val="75000"/>
+                  </a:schemeClr>
+                </a:solidFill>
+              </a:rPr>
+              <a:t>)) { </a:t>
+            </a:r>
+            <a:r>
+              <a:rPr dirty="0" err="1">
+                <a:solidFill>
+                  <a:schemeClr val="tx2">
+                    <a:lumMod val="75000"/>
+                  </a:schemeClr>
+                </a:solidFill>
+              </a:rPr>
+              <a:t>install.packages</a:t>
+            </a:r>
+            <a:r>
+              <a:rPr dirty="0">
+                <a:solidFill>
+                  <a:schemeClr val="tx2">
+                    <a:lumMod val="75000"/>
+                  </a:schemeClr>
+                </a:solidFill>
+              </a:rPr>
+              <a:t>(“</a:t>
+            </a:r>
+            <a:r>
+              <a:rPr dirty="0" err="1">
+                <a:solidFill>
+                  <a:schemeClr val="tx2">
+                    <a:lumMod val="75000"/>
+                  </a:schemeClr>
+                </a:solidFill>
+              </a:rPr>
+              <a:t>stringr</a:t>
+            </a:r>
+            <a:r>
+              <a:rPr dirty="0">
+                <a:solidFill>
+                  <a:schemeClr val="tx2">
+                    <a:lumMod val="75000"/>
+                  </a:schemeClr>
+                </a:solidFill>
+              </a:rPr>
+              <a:t>”); library(</a:t>
+            </a:r>
+            <a:r>
+              <a:rPr dirty="0" err="1">
+                <a:solidFill>
+                  <a:schemeClr val="tx2">
+                    <a:lumMod val="75000"/>
+                  </a:schemeClr>
+                </a:solidFill>
+              </a:rPr>
+              <a:t>stringr</a:t>
+            </a:r>
+            <a:r>
+              <a:rPr dirty="0">
+                <a:solidFill>
+                  <a:schemeClr val="tx2">
+                    <a:lumMod val="75000"/>
+                  </a:schemeClr>
+                </a:solidFill>
+              </a:rPr>
+              <a:t>) } if(!require(</a:t>
+            </a:r>
+            <a:r>
+              <a:rPr dirty="0" err="1">
+                <a:solidFill>
+                  <a:schemeClr val="tx2">
+                    <a:lumMod val="75000"/>
+                  </a:schemeClr>
+                </a:solidFill>
+              </a:rPr>
+              <a:t>readr</a:t>
+            </a:r>
+            <a:r>
+              <a:rPr dirty="0">
+                <a:solidFill>
+                  <a:schemeClr val="tx2">
+                    <a:lumMod val="75000"/>
+                  </a:schemeClr>
+                </a:solidFill>
+              </a:rPr>
+              <a:t>)) { </a:t>
+            </a:r>
+            <a:r>
+              <a:rPr dirty="0" err="1">
+                <a:solidFill>
+                  <a:schemeClr val="tx2">
+                    <a:lumMod val="75000"/>
+                  </a:schemeClr>
+                </a:solidFill>
+              </a:rPr>
+              <a:t>install.packages</a:t>
+            </a:r>
+            <a:r>
+              <a:rPr dirty="0">
+                <a:solidFill>
+                  <a:schemeClr val="tx2">
+                    <a:lumMod val="75000"/>
+                  </a:schemeClr>
+                </a:solidFill>
+              </a:rPr>
+              <a:t>(“</a:t>
+            </a:r>
+            <a:r>
+              <a:rPr dirty="0" err="1">
+                <a:solidFill>
+                  <a:schemeClr val="tx2">
+                    <a:lumMod val="75000"/>
+                  </a:schemeClr>
+                </a:solidFill>
+              </a:rPr>
+              <a:t>readr</a:t>
+            </a:r>
+            <a:r>
+              <a:rPr dirty="0">
+                <a:solidFill>
+                  <a:schemeClr val="tx2">
+                    <a:lumMod val="75000"/>
+                  </a:schemeClr>
+                </a:solidFill>
+              </a:rPr>
+              <a:t>”); library(</a:t>
+            </a:r>
+            <a:r>
+              <a:rPr dirty="0" err="1">
+                <a:solidFill>
+                  <a:schemeClr val="tx2">
+                    <a:lumMod val="75000"/>
+                  </a:schemeClr>
+                </a:solidFill>
+              </a:rPr>
+              <a:t>readr</a:t>
+            </a:r>
+            <a:r>
+              <a:rPr dirty="0">
+                <a:solidFill>
+                  <a:schemeClr val="tx2">
+                    <a:lumMod val="75000"/>
+                  </a:schemeClr>
+                </a:solidFill>
+              </a:rPr>
+              <a:t>) }</a:t>
+            </a:r>
+          </a:p>
+        </p:txBody>
+      </p:sp>
+    </p:spTree>
+  </p:cSld>
+  <p:clrMapOvr>
+    <a:masterClrMapping/>
+  </p:clrMapOvr>
+</p:sld>
+</file>
+
+<file path=ppt/slides/slide8.xml><?xml version="1.0" encoding="utf-8"?>
+<p:sld xmlns:a="http://schemas.openxmlformats.org/drawingml/2006/main" xmlns:r="http://schemas.openxmlformats.org/officeDocument/2006/relationships" xmlns:p="http://schemas.openxmlformats.org/presentationml/2006/main">
+  <p:cSld>
+    <p:spTree>
+      <p:nvGrpSpPr>
+        <p:cNvPr id="1" name=""/>
+        <p:cNvGrpSpPr/>
+        <p:nvPr/>
+      </p:nvGrpSpPr>
+      <p:grpSpPr>
+        <a:xfrm>
+          <a:off x="0" y="0"/>
+          <a:ext cx="0" cy="0"/>
+          <a:chOff x="0" y="0"/>
+          <a:chExt cx="0" cy="0"/>
+        </a:xfrm>
+      </p:grpSpPr>
+      <p:sp>
+        <p:nvSpPr>
+          <p:cNvPr id="2" name="Title 1"/>
+          <p:cNvSpPr>
+            <a:spLocks noGrp="1"/>
+          </p:cNvSpPr>
+          <p:nvPr>
+            <p:ph type="title"/>
+          </p:nvPr>
+        </p:nvSpPr>
+        <p:spPr/>
+        <p:txBody>
+          <a:bodyPr>
+            <a:normAutofit/>
+          </a:bodyPr>
+          <a:lstStyle/>
+          <a:p>
+            <a:pPr marL="0" lvl="0" indent="0">
+              <a:buNone/>
+            </a:pPr>
+            <a:r>
+              <a:rPr lang="es-ES" dirty="0"/>
+              <a:t>Carga el código de la función</a:t>
+            </a:r>
+          </a:p>
+        </p:txBody>
+      </p:sp>
+      <p:sp>
+        <p:nvSpPr>
+          <p:cNvPr id="3" name="Content Placeholder 2"/>
+          <p:cNvSpPr>
+            <a:spLocks noGrp="1"/>
+          </p:cNvSpPr>
+          <p:nvPr>
+            <p:ph idx="1"/>
+          </p:nvPr>
+        </p:nvSpPr>
+        <p:spPr/>
+        <p:txBody>
+          <a:bodyPr/>
+          <a:lstStyle/>
+          <a:p>
+            <a:pPr marL="0" lvl="0" indent="0">
+              <a:buNone/>
+            </a:pPr>
+            <a:endParaRPr lang="es-ES" dirty="0"/>
+          </a:p>
+          <a:p>
+            <a:pPr marL="0" lvl="0" indent="0">
+              <a:buNone/>
+            </a:pPr>
+            <a:endParaRPr lang="es-ES" dirty="0"/>
+          </a:p>
+          <a:p>
+            <a:pPr marL="0" lvl="0" indent="0">
+              <a:buNone/>
+            </a:pPr>
+            <a:r>
+              <a:rPr lang="es-ES" dirty="0" err="1">
+                <a:solidFill>
+                  <a:schemeClr val="tx2">
+                    <a:lumMod val="75000"/>
+                  </a:schemeClr>
+                </a:solidFill>
+              </a:rPr>
+              <a:t>source</a:t>
+            </a:r>
+            <a:r>
+              <a:rPr lang="es-ES" dirty="0">
+                <a:solidFill>
+                  <a:schemeClr val="tx2">
+                    <a:lumMod val="75000"/>
+                  </a:schemeClr>
+                </a:solidFill>
+              </a:rPr>
+              <a:t>("C:/Users/gdurang/OneDrive - Universidad de las Américas/Escritorio/R/Semana 3/Semana-3/EAN/</a:t>
+            </a:r>
+            <a:r>
+              <a:rPr lang="es-ES" dirty="0" err="1">
+                <a:solidFill>
+                  <a:schemeClr val="tx2">
+                    <a:lumMod val="75000"/>
+                  </a:schemeClr>
+                </a:solidFill>
+              </a:rPr>
+              <a:t>Funcion_EAN</a:t>
+            </a:r>
+            <a:r>
+              <a:rPr lang="es-ES" dirty="0">
+                <a:solidFill>
+                  <a:schemeClr val="tx2">
+                    <a:lumMod val="75000"/>
+                  </a:schemeClr>
+                </a:solidFill>
+              </a:rPr>
+              <a:t>/</a:t>
+            </a:r>
+            <a:r>
+              <a:rPr lang="es-ES" dirty="0" err="1">
+                <a:solidFill>
+                  <a:schemeClr val="tx2">
+                    <a:lumMod val="75000"/>
+                  </a:schemeClr>
+                </a:solidFill>
+              </a:rPr>
+              <a:t>ean.R</a:t>
+            </a:r>
+            <a:r>
+              <a:rPr lang="es-ES" dirty="0">
+                <a:solidFill>
+                  <a:schemeClr val="tx2">
+                    <a:lumMod val="75000"/>
+                  </a:schemeClr>
+                </a:solidFill>
+              </a:rPr>
+              <a:t>")</a:t>
+            </a:r>
+            <a:endParaRPr dirty="0">
+              <a:solidFill>
+                <a:schemeClr val="tx2">
+                  <a:lumMod val="75000"/>
+                </a:schemeClr>
+              </a:solidFill>
+            </a:endParaRPr>
+          </a:p>
+        </p:txBody>
+      </p:sp>
+    </p:spTree>
+    <p:extLst>
+      <p:ext uri="{BB962C8B-B14F-4D97-AF65-F5344CB8AC3E}">
+        <p14:creationId xmlns:p14="http://schemas.microsoft.com/office/powerpoint/2010/main" val="1940370113"/>
+      </p:ext>
+    </p:extLst>
+  </p:cSld>
+  <p:clrMapOvr>
+    <a:masterClrMapping/>
+  </p:clrMapOvr>
+</p:sld>
+</file>
+
+<file path=ppt/slides/slide9.xml><?xml version="1.0" encoding="utf-8"?>
+<p:sld xmlns:a="http://schemas.openxmlformats.org/drawingml/2006/main" xmlns:r="http://schemas.openxmlformats.org/officeDocument/2006/relationships" xmlns:p="http://schemas.openxmlformats.org/presentationml/2006/main">
+  <p:cSld>
+    <p:spTree>
+      <p:nvGrpSpPr>
+        <p:cNvPr id="1" name=""/>
+        <p:cNvGrpSpPr/>
+        <p:nvPr/>
+      </p:nvGrpSpPr>
+      <p:grpSpPr>
+        <a:xfrm>
+          <a:off x="0" y="0"/>
+          <a:ext cx="0" cy="0"/>
+          <a:chOff x="0" y="0"/>
+          <a:chExt cx="0" cy="0"/>
+        </a:xfrm>
+      </p:grpSpPr>
+      <p:sp>
+        <p:nvSpPr>
+          <p:cNvPr id="2" name="Title 1"/>
+          <p:cNvSpPr>
+            <a:spLocks noGrp="1"/>
+          </p:cNvSpPr>
+          <p:nvPr>
+            <p:ph type="title"/>
+          </p:nvPr>
+        </p:nvSpPr>
+        <p:spPr/>
+        <p:txBody>
+          <a:bodyPr/>
+          <a:lstStyle/>
+          <a:p>
+            <a:pPr marL="0" lvl="0" indent="0">
+              <a:buNone/>
+            </a:pPr>
+            <a:r>
+              <a:rPr lang="es-ES" dirty="0"/>
+              <a:t>Preparando los datos de prueba</a:t>
+            </a:r>
+            <a:endParaRPr dirty="0"/>
+          </a:p>
+        </p:txBody>
+      </p:sp>
+      <p:sp>
+        <p:nvSpPr>
+          <p:cNvPr id="3" name="Content Placeholder 2"/>
+          <p:cNvSpPr>
+            <a:spLocks noGrp="1"/>
+          </p:cNvSpPr>
+          <p:nvPr>
+            <p:ph idx="1"/>
+          </p:nvPr>
+        </p:nvSpPr>
+        <p:spPr/>
+        <p:txBody>
+          <a:bodyPr>
+            <a:normAutofit/>
+          </a:bodyPr>
+          <a:lstStyle/>
+          <a:p>
+            <a:pPr marL="0" lvl="0" indent="0">
+              <a:buNone/>
+            </a:pPr>
+            <a:r>
+              <a:rPr dirty="0">
+                <a:solidFill>
+                  <a:schemeClr val="tx2">
+                    <a:lumMod val="75000"/>
+                  </a:schemeClr>
+                </a:solidFill>
+              </a:rPr>
+              <a:t>#Carga del CSV</a:t>
+            </a:r>
+          </a:p>
+          <a:p>
+            <a:pPr marL="0" lvl="0" indent="0">
+              <a:buNone/>
+            </a:pPr>
+            <a:r>
+              <a:rPr dirty="0">
+                <a:solidFill>
+                  <a:schemeClr val="tx2">
+                    <a:lumMod val="75000"/>
+                  </a:schemeClr>
+                </a:solidFill>
+              </a:rPr>
+              <a:t>EANSC &lt;- </a:t>
+            </a:r>
+            <a:r>
+              <a:rPr dirty="0" err="1">
+                <a:solidFill>
+                  <a:schemeClr val="tx2">
+                    <a:lumMod val="75000"/>
+                  </a:schemeClr>
+                </a:solidFill>
+              </a:rPr>
+              <a:t>read_csv</a:t>
+            </a:r>
+            <a:r>
+              <a:rPr dirty="0">
+                <a:solidFill>
+                  <a:schemeClr val="tx2">
+                    <a:lumMod val="75000"/>
+                  </a:schemeClr>
+                </a:solidFill>
+              </a:rPr>
+              <a:t>(“EAN/EANSC.csv”)</a:t>
+            </a:r>
+          </a:p>
+          <a:p>
+            <a:pPr marL="0" lvl="0" indent="0">
+              <a:buNone/>
+            </a:pPr>
+            <a:r>
+              <a:rPr dirty="0">
+                <a:solidFill>
+                  <a:schemeClr val="tx2">
+                    <a:lumMod val="75000"/>
+                  </a:schemeClr>
+                </a:solidFill>
+              </a:rPr>
+              <a:t>#Crea un </a:t>
+            </a:r>
+            <a:r>
+              <a:rPr dirty="0" err="1">
+                <a:solidFill>
+                  <a:schemeClr val="tx2">
+                    <a:lumMod val="75000"/>
+                  </a:schemeClr>
+                </a:solidFill>
+              </a:rPr>
+              <a:t>Dataframe</a:t>
+            </a:r>
+            <a:endParaRPr dirty="0">
+              <a:solidFill>
+                <a:schemeClr val="tx2">
+                  <a:lumMod val="75000"/>
+                </a:schemeClr>
+              </a:solidFill>
+            </a:endParaRPr>
+          </a:p>
+          <a:p>
+            <a:pPr marL="0" lvl="0" indent="0">
+              <a:buNone/>
+            </a:pPr>
+            <a:r>
+              <a:rPr dirty="0" err="1">
+                <a:solidFill>
+                  <a:schemeClr val="tx2">
+                    <a:lumMod val="75000"/>
+                  </a:schemeClr>
+                </a:solidFill>
+              </a:rPr>
+              <a:t>df</a:t>
+            </a:r>
+            <a:r>
+              <a:rPr dirty="0">
+                <a:solidFill>
+                  <a:schemeClr val="tx2">
+                    <a:lumMod val="75000"/>
+                  </a:schemeClr>
+                </a:solidFill>
+              </a:rPr>
+              <a:t>&lt;-</a:t>
+            </a:r>
+            <a:r>
+              <a:rPr dirty="0" err="1">
+                <a:solidFill>
+                  <a:schemeClr val="tx2">
+                    <a:lumMod val="75000"/>
+                  </a:schemeClr>
+                </a:solidFill>
+              </a:rPr>
+              <a:t>data.frame</a:t>
+            </a:r>
+            <a:r>
+              <a:rPr dirty="0">
+                <a:solidFill>
+                  <a:schemeClr val="tx2">
+                    <a:lumMod val="75000"/>
+                  </a:schemeClr>
+                </a:solidFill>
+              </a:rPr>
+              <a:t>(EANSC)</a:t>
+            </a:r>
+          </a:p>
+          <a:p>
+            <a:pPr marL="0" lvl="0" indent="0">
+              <a:buNone/>
+            </a:pPr>
+            <a:r>
+              <a:rPr dirty="0">
+                <a:solidFill>
+                  <a:schemeClr val="tx2">
+                    <a:lumMod val="75000"/>
+                  </a:schemeClr>
+                </a:solidFill>
+              </a:rPr>
+              <a:t>#Reserva </a:t>
+            </a:r>
+            <a:r>
+              <a:rPr dirty="0" err="1">
+                <a:solidFill>
+                  <a:schemeClr val="tx2">
+                    <a:lumMod val="75000"/>
+                  </a:schemeClr>
+                </a:solidFill>
+              </a:rPr>
+              <a:t>memoria</a:t>
+            </a:r>
+            <a:r>
+              <a:rPr dirty="0">
+                <a:solidFill>
+                  <a:schemeClr val="tx2">
+                    <a:lumMod val="75000"/>
+                  </a:schemeClr>
+                </a:solidFill>
+              </a:rPr>
+              <a:t> para </a:t>
+            </a:r>
+            <a:r>
+              <a:rPr dirty="0" err="1">
+                <a:solidFill>
+                  <a:schemeClr val="tx2">
+                    <a:lumMod val="75000"/>
+                  </a:schemeClr>
+                </a:solidFill>
+              </a:rPr>
+              <a:t>los</a:t>
+            </a:r>
+            <a:r>
+              <a:rPr dirty="0">
+                <a:solidFill>
+                  <a:schemeClr val="tx2">
+                    <a:lumMod val="75000"/>
+                  </a:schemeClr>
+                </a:solidFill>
+              </a:rPr>
+              <a:t> </a:t>
+            </a:r>
+            <a:r>
+              <a:rPr dirty="0" err="1">
+                <a:solidFill>
+                  <a:schemeClr val="tx2">
+                    <a:lumMod val="75000"/>
+                  </a:schemeClr>
+                </a:solidFill>
+              </a:rPr>
+              <a:t>arreglos</a:t>
+            </a:r>
+            <a:r>
+              <a:rPr dirty="0">
+                <a:solidFill>
+                  <a:schemeClr val="tx2">
+                    <a:lumMod val="75000"/>
+                  </a:schemeClr>
+                </a:solidFill>
+              </a:rPr>
+              <a:t> a usar</a:t>
+            </a:r>
+          </a:p>
+          <a:p>
+            <a:pPr marL="0" lvl="0" indent="0">
+              <a:buNone/>
+            </a:pPr>
+            <a:r>
+              <a:rPr dirty="0" err="1">
+                <a:solidFill>
+                  <a:schemeClr val="tx2">
+                    <a:lumMod val="75000"/>
+                  </a:schemeClr>
+                </a:solidFill>
+              </a:rPr>
+              <a:t>eans</a:t>
+            </a:r>
+            <a:r>
+              <a:rPr dirty="0">
+                <a:solidFill>
+                  <a:schemeClr val="tx2">
+                    <a:lumMod val="75000"/>
+                  </a:schemeClr>
+                </a:solidFill>
+              </a:rPr>
+              <a:t>&lt;-character(2100) </a:t>
+            </a:r>
+            <a:endParaRPr lang="es-ES" dirty="0">
+              <a:solidFill>
+                <a:schemeClr val="tx2">
+                  <a:lumMod val="75000"/>
+                </a:schemeClr>
+              </a:solidFill>
+            </a:endParaRPr>
+          </a:p>
+          <a:p>
+            <a:pPr marL="0" lvl="0" indent="0">
+              <a:buNone/>
+            </a:pPr>
+            <a:r>
+              <a:rPr dirty="0" err="1">
+                <a:solidFill>
+                  <a:schemeClr val="tx2">
+                    <a:lumMod val="75000"/>
+                  </a:schemeClr>
+                </a:solidFill>
+              </a:rPr>
+              <a:t>eancc</a:t>
+            </a:r>
+            <a:r>
+              <a:rPr dirty="0">
+                <a:solidFill>
+                  <a:schemeClr val="tx2">
+                    <a:lumMod val="75000"/>
+                  </a:schemeClr>
+                </a:solidFill>
+              </a:rPr>
+              <a:t>&lt;-character(2100)</a:t>
+            </a:r>
+          </a:p>
+        </p:txBody>
+      </p:sp>
+    </p:spTree>
+  </p:cSld>
+  <p:clrMapOvr>
+    <a:masterClrMapping/>
+  </p:clrMapOvr>
 </p:sld>
 </file>
 
@@ -3813,265 +7227,4 @@
   </a:objectDefaults>
   <a:extraClrSchemeLst/>
 </a:theme>
-</file>
-
-<file path=ppt/theme/theme2.xml><?xml version="1.0" encoding="utf-8"?>
-<a:theme xmlns:a="http://schemas.openxmlformats.org/drawingml/2006/main" name="Office Theme">
-  <a:themeElements>
-    <a:clrScheme name="Office">
-      <a:dk1>
-        <a:sysClr val="windowText" lastClr="000000"/>
-      </a:dk1>
-      <a:lt1>
-        <a:sysClr val="window" lastClr="FFFFFF"/>
-      </a:lt1>
-      <a:dk2>
-        <a:srgbClr val="44546A"/>
-      </a:dk2>
-      <a:lt2>
-        <a:srgbClr val="E7E6E6"/>
-      </a:lt2>
-      <a:accent1>
-        <a:srgbClr val="5B9BD5"/>
-      </a:accent1>
-      <a:accent2>
-        <a:srgbClr val="ED7D31"/>
-      </a:accent2>
-      <a:accent3>
-        <a:srgbClr val="A5A5A5"/>
-      </a:accent3>
-      <a:accent4>
-        <a:srgbClr val="FFC000"/>
-      </a:accent4>
-      <a:accent5>
-        <a:srgbClr val="4472C4"/>
-      </a:accent5>
-      <a:accent6>
-        <a:srgbClr val="70AD47"/>
-      </a:accent6>
-      <a:hlink>
-        <a:srgbClr val="0563C1"/>
-      </a:hlink>
-      <a:folHlink>
-        <a:srgbClr val="954F72"/>
-      </a:folHlink>
-    </a:clrScheme>
-    <a:fontScheme name="Office">
-      <a:majorFont>
-        <a:latin typeface="Calibri Light" panose="020F0302020204030204"/>
-        <a:ea typeface=""/>
-        <a:cs typeface=""/>
-        <a:font script="Jpan" typeface="ＭＳ Ｐゴシック"/>
-        <a:font script="Hang" typeface="맑은 고딕"/>
-        <a:font script="Hans" typeface="宋体"/>
-        <a:font script="Hant" typeface="新細明體"/>
-        <a:font script="Arab" typeface="Times New Roman"/>
-        <a:font script="Hebr" typeface="Times New Roman"/>
-        <a:font script="Thai" typeface="Angsana New"/>
-        <a:font script="Ethi" typeface="Nyala"/>
-        <a:font script="Beng" typeface="Vrinda"/>
-        <a:font script="Gujr" typeface="Shruti"/>
-        <a:font script="Khmr" typeface="MoolBoran"/>
-        <a:font script="Knda" typeface="Tunga"/>
-        <a:font script="Guru" typeface="Raavi"/>
-        <a:font script="Cans" typeface="Euphemia"/>
-        <a:font script="Cher" typeface="Plantagenet Cherokee"/>
-        <a:font script="Yiii" typeface="Microsoft Yi Baiti"/>
-        <a:font script="Tibt" typeface="Microsoft Himalaya"/>
-        <a:font script="Thaa" typeface="MV Boli"/>
-        <a:font script="Deva" typeface="Mangal"/>
-        <a:font script="Telu" typeface="Gautami"/>
-        <a:font script="Taml" typeface="Latha"/>
-        <a:font script="Syrc" typeface="Estrangelo Edessa"/>
-        <a:font script="Orya" typeface="Kalinga"/>
-        <a:font script="Mlym" typeface="Kartika"/>
-        <a:font script="Laoo" typeface="DokChampa"/>
-        <a:font script="Sinh" typeface="Iskoola Pota"/>
-        <a:font script="Mong" typeface="Mongolian Baiti"/>
-        <a:font script="Viet" typeface="Times New Roman"/>
-        <a:font script="Uigh" typeface="Microsoft Uighur"/>
-        <a:font script="Geor" typeface="Sylfaen"/>
-      </a:majorFont>
-      <a:minorFont>
-        <a:latin typeface="Calibri" panose="020F0502020204030204"/>
-        <a:ea typeface=""/>
-        <a:cs typeface=""/>
-        <a:font script="Jpan" typeface="ＭＳ Ｐゴシック"/>
-        <a:font script="Hang" typeface="맑은 고딕"/>
-        <a:font script="Hans" typeface="宋体"/>
-        <a:font script="Hant" typeface="新細明體"/>
-        <a:font script="Arab" typeface="Arial"/>
-        <a:font script="Hebr" typeface="Arial"/>
-        <a:font script="Thai" typeface="Cordia New"/>
-        <a:font script="Ethi" typeface="Nyala"/>
-        <a:font script="Beng" typeface="Vrinda"/>
-        <a:font script="Gujr" typeface="Shruti"/>
-        <a:font script="Khmr" typeface="DaunPenh"/>
-        <a:font script="Knda" typeface="Tunga"/>
-        <a:font script="Guru" typeface="Raavi"/>
-        <a:font script="Cans" typeface="Euphemia"/>
-        <a:font script="Cher" typeface="Plantagenet Cherokee"/>
-        <a:font script="Yiii" typeface="Microsoft Yi Baiti"/>
-        <a:font script="Tibt" typeface="Microsoft Himalaya"/>
-        <a:font script="Thaa" typeface="MV Boli"/>
-        <a:font script="Deva" typeface="Mangal"/>
-        <a:font script="Telu" typeface="Gautami"/>
-        <a:font script="Taml" typeface="Latha"/>
-        <a:font script="Syrc" typeface="Estrangelo Edessa"/>
-        <a:font script="Orya" typeface="Kalinga"/>
-        <a:font script="Mlym" typeface="Kartika"/>
-        <a:font script="Laoo" typeface="DokChampa"/>
-        <a:font script="Sinh" typeface="Iskoola Pota"/>
-        <a:font script="Mong" typeface="Mongolian Baiti"/>
-        <a:font script="Viet" typeface="Arial"/>
-        <a:font script="Uigh" typeface="Microsoft Uighur"/>
-        <a:font script="Geor" typeface="Sylfaen"/>
-      </a:minorFont>
-    </a:fontScheme>
-    <a:fmtScheme name="Office">
-      <a:fillStyleLst>
-        <a:solidFill>
-          <a:schemeClr val="phClr"/>
-        </a:solidFill>
-        <a:gradFill rotWithShape="1">
-          <a:gsLst>
-            <a:gs pos="0">
-              <a:schemeClr val="phClr">
-                <a:lumMod val="110000"/>
-                <a:satMod val="105000"/>
-                <a:tint val="67000"/>
-              </a:schemeClr>
-            </a:gs>
-            <a:gs pos="50000">
-              <a:schemeClr val="phClr">
-                <a:lumMod val="105000"/>
-                <a:satMod val="103000"/>
-                <a:tint val="73000"/>
-              </a:schemeClr>
-            </a:gs>
-            <a:gs pos="100000">
-              <a:schemeClr val="phClr">
-                <a:lumMod val="105000"/>
-                <a:satMod val="109000"/>
-                <a:tint val="81000"/>
-              </a:schemeClr>
-            </a:gs>
-          </a:gsLst>
-          <a:lin ang="5400000" scaled="0"/>
-        </a:gradFill>
-        <a:gradFill rotWithShape="1">
-          <a:gsLst>
-            <a:gs pos="0">
-              <a:schemeClr val="phClr">
-                <a:satMod val="103000"/>
-                <a:lumMod val="102000"/>
-                <a:tint val="94000"/>
-              </a:schemeClr>
-            </a:gs>
-            <a:gs pos="50000">
-              <a:schemeClr val="phClr">
-                <a:satMod val="110000"/>
-                <a:lumMod val="100000"/>
-                <a:shade val="100000"/>
-              </a:schemeClr>
-            </a:gs>
-            <a:gs pos="100000">
-              <a:schemeClr val="phClr">
-                <a:lumMod val="99000"/>
-                <a:satMod val="120000"/>
-                <a:shade val="78000"/>
-              </a:schemeClr>
-            </a:gs>
-          </a:gsLst>
-          <a:lin ang="5400000" scaled="0"/>
-        </a:gradFill>
-      </a:fillStyleLst>
-      <a:lnStyleLst>
-        <a:ln w="6350" cap="flat" cmpd="sng" algn="ctr">
-          <a:solidFill>
-            <a:schemeClr val="phClr"/>
-          </a:solidFill>
-          <a:prstDash val="solid"/>
-          <a:miter lim="800000"/>
-        </a:ln>
-        <a:ln w="12700" cap="flat" cmpd="sng" algn="ctr">
-          <a:solidFill>
-            <a:schemeClr val="phClr"/>
-          </a:solidFill>
-          <a:prstDash val="solid"/>
-          <a:miter lim="800000"/>
-        </a:ln>
-        <a:ln w="19050" cap="flat" cmpd="sng" algn="ctr">
-          <a:solidFill>
-            <a:schemeClr val="phClr"/>
-          </a:solidFill>
-          <a:prstDash val="solid"/>
-          <a:miter lim="800000"/>
-        </a:ln>
-      </a:lnStyleLst>
-      <a:effectStyleLst>
-        <a:effectStyle>
-          <a:effectLst/>
-        </a:effectStyle>
-        <a:effectStyle>
-          <a:effectLst/>
-        </a:effectStyle>
-        <a:effectStyle>
-          <a:effectLst>
-            <a:outerShdw blurRad="57150" dist="19050" dir="5400000" algn="ctr" rotWithShape="0">
-              <a:srgbClr val="000000">
-                <a:alpha val="63000"/>
-              </a:srgbClr>
-            </a:outerShdw>
-          </a:effectLst>
-        </a:effectStyle>
-      </a:effectStyleLst>
-      <a:bgFillStyleLst>
-        <a:solidFill>
-          <a:schemeClr val="phClr"/>
-        </a:solidFill>
-        <a:solidFill>
-          <a:schemeClr val="phClr">
-            <a:tint val="95000"/>
-            <a:satMod val="170000"/>
-          </a:schemeClr>
-        </a:solidFill>
-        <a:gradFill rotWithShape="1">
-          <a:gsLst>
-            <a:gs pos="0">
-              <a:schemeClr val="phClr">
-                <a:tint val="93000"/>
-                <a:satMod val="150000"/>
-                <a:shade val="98000"/>
-                <a:lumMod val="102000"/>
-              </a:schemeClr>
-            </a:gs>
-            <a:gs pos="50000">
-              <a:schemeClr val="phClr">
-                <a:tint val="98000"/>
-                <a:satMod val="130000"/>
-                <a:shade val="90000"/>
-                <a:lumMod val="103000"/>
-              </a:schemeClr>
-            </a:gs>
-            <a:gs pos="100000">
-              <a:schemeClr val="phClr">
-                <a:shade val="63000"/>
-                <a:satMod val="120000"/>
-              </a:schemeClr>
-            </a:gs>
-          </a:gsLst>
-          <a:lin ang="5400000" scaled="0"/>
-        </a:gradFill>
-      </a:bgFillStyleLst>
-    </a:fmtScheme>
-  </a:themeElements>
-  <a:objectDefaults/>
-  <a:extraClrSchemeLst/>
-  <a:extLst>
-    <a:ext uri="{05A4C25C-085E-4340-85A3-A5531E510DB2}">
-      <thm15:themeFamily xmlns:thm15="http://schemas.microsoft.com/office/thememl/2012/main" name="Office Theme" id="{62F939B6-93AF-4DB8-9C6B-D6C7DFDC589F}" vid="{4A3C46E8-61CC-4603-A589-7422A47A8E4A}"/>
-    </a:ext>
-  </a:extLst>
-</a:theme>
 </file>